--- a/beleggg.pptx
+++ b/beleggg.pptx
@@ -5,21 +5,32 @@
     <p:sldMasterId id="2147483648" r:id="rId1"/>
   </p:sldMasterIdLst>
   <p:notesMasterIdLst>
-    <p:notesMasterId r:id="rId14"/>
+    <p:notesMasterId r:id="rId25"/>
   </p:notesMasterIdLst>
   <p:sldIdLst>
     <p:sldId id="256" r:id="rId2"/>
-    <p:sldId id="260" r:id="rId3"/>
-    <p:sldId id="299" r:id="rId4"/>
-    <p:sldId id="314" r:id="rId5"/>
-    <p:sldId id="332" r:id="rId6"/>
-    <p:sldId id="313" r:id="rId7"/>
-    <p:sldId id="331" r:id="rId8"/>
-    <p:sldId id="333" r:id="rId9"/>
-    <p:sldId id="334" r:id="rId10"/>
-    <p:sldId id="335" r:id="rId11"/>
-    <p:sldId id="330" r:id="rId12"/>
-    <p:sldId id="263" r:id="rId13"/>
+    <p:sldId id="314" r:id="rId3"/>
+    <p:sldId id="332" r:id="rId4"/>
+    <p:sldId id="340" r:id="rId5"/>
+    <p:sldId id="353" r:id="rId6"/>
+    <p:sldId id="334" r:id="rId7"/>
+    <p:sldId id="352" r:id="rId8"/>
+    <p:sldId id="338" r:id="rId9"/>
+    <p:sldId id="341" r:id="rId10"/>
+    <p:sldId id="336" r:id="rId11"/>
+    <p:sldId id="339" r:id="rId12"/>
+    <p:sldId id="343" r:id="rId13"/>
+    <p:sldId id="347" r:id="rId14"/>
+    <p:sldId id="346" r:id="rId15"/>
+    <p:sldId id="345" r:id="rId16"/>
+    <p:sldId id="342" r:id="rId17"/>
+    <p:sldId id="344" r:id="rId18"/>
+    <p:sldId id="348" r:id="rId19"/>
+    <p:sldId id="351" r:id="rId20"/>
+    <p:sldId id="349" r:id="rId21"/>
+    <p:sldId id="350" r:id="rId22"/>
+    <p:sldId id="330" r:id="rId23"/>
+    <p:sldId id="263" r:id="rId24"/>
   </p:sldIdLst>
   <p:sldSz cx="9144000" cy="5143500" type="screen16x9"/>
   <p:notesSz cx="6858000" cy="9144000"/>
@@ -614,7 +625,7 @@
           <a:p>
             <a:fld id="{71B447C5-C700-4F5B-9345-511A8F286BAC}" type="datetimeFigureOut">
               <a:rPr lang="de-DE" smtClean="0"/>
-              <a:t>09.07.2018</a:t>
+              <a:t>16.07.2018</a:t>
             </a:fld>
             <a:endParaRPr lang="de-DE"/>
           </a:p>
@@ -882,90 +893,6 @@
 </p:notesMaster>
 </file>
 
-<file path=ppt/notesSlides/notesSlide1.xml><?xml version="1.0" encoding="utf-8"?>
-<p:notes xmlns:a="http://schemas.openxmlformats.org/drawingml/2006/main" xmlns:r="http://schemas.openxmlformats.org/officeDocument/2006/relationships" xmlns:p="http://schemas.openxmlformats.org/presentationml/2006/main">
-  <p:cSld>
-    <p:spTree>
-      <p:nvGrpSpPr>
-        <p:cNvPr id="1" name=""/>
-        <p:cNvGrpSpPr/>
-        <p:nvPr/>
-      </p:nvGrpSpPr>
-      <p:grpSpPr>
-        <a:xfrm>
-          <a:off x="0" y="0"/>
-          <a:ext cx="0" cy="0"/>
-          <a:chOff x="0" y="0"/>
-          <a:chExt cx="0" cy="0"/>
-        </a:xfrm>
-      </p:grpSpPr>
-      <p:sp>
-        <p:nvSpPr>
-          <p:cNvPr id="2" name="Slide Image Placeholder 1"/>
-          <p:cNvSpPr>
-            <a:spLocks noGrp="1" noRot="1" noChangeAspect="1"/>
-          </p:cNvSpPr>
-          <p:nvPr>
-            <p:ph type="sldImg"/>
-          </p:nvPr>
-        </p:nvSpPr>
-        <p:spPr/>
-      </p:sp>
-      <p:sp>
-        <p:nvSpPr>
-          <p:cNvPr id="3" name="Notes Placeholder 2"/>
-          <p:cNvSpPr>
-            <a:spLocks noGrp="1"/>
-          </p:cNvSpPr>
-          <p:nvPr>
-            <p:ph type="body" idx="1"/>
-          </p:nvPr>
-        </p:nvSpPr>
-        <p:spPr/>
-        <p:txBody>
-          <a:bodyPr/>
-          <a:lstStyle/>
-          <a:p>
-            <a:endParaRPr lang="de-DE" dirty="0"/>
-          </a:p>
-        </p:txBody>
-      </p:sp>
-      <p:sp>
-        <p:nvSpPr>
-          <p:cNvPr id="4" name="Slide Number Placeholder 3"/>
-          <p:cNvSpPr>
-            <a:spLocks noGrp="1"/>
-          </p:cNvSpPr>
-          <p:nvPr>
-            <p:ph type="sldNum" sz="quarter" idx="10"/>
-          </p:nvPr>
-        </p:nvSpPr>
-        <p:spPr/>
-        <p:txBody>
-          <a:bodyPr/>
-          <a:lstStyle/>
-          <a:p>
-            <a:fld id="{391C129D-F878-4A6D-8876-B401C292B48D}" type="slidenum">
-              <a:rPr lang="de-DE" smtClean="0"/>
-              <a:t>2</a:t>
-            </a:fld>
-            <a:endParaRPr lang="de-DE"/>
-          </a:p>
-        </p:txBody>
-      </p:sp>
-    </p:spTree>
-    <p:extLst>
-      <p:ext uri="{BB962C8B-B14F-4D97-AF65-F5344CB8AC3E}">
-        <p14:creationId xmlns:p14="http://schemas.microsoft.com/office/powerpoint/2010/main" val="73719877"/>
-      </p:ext>
-    </p:extLst>
-  </p:cSld>
-  <p:clrMapOvr>
-    <a:masterClrMapping/>
-  </p:clrMapOvr>
-</p:notes>
-</file>
-
 <file path=ppt/slideLayouts/slideLayout1.xml><?xml version="1.0" encoding="utf-8"?>
 <p:sldLayout xmlns:a="http://schemas.openxmlformats.org/drawingml/2006/main" xmlns:r="http://schemas.openxmlformats.org/officeDocument/2006/relationships" xmlns:p="http://schemas.openxmlformats.org/presentationml/2006/main" preserve="1" userDrawn="1">
   <p:cSld name="Titelfolie (schmales Bild)">
@@ -1132,7 +1059,7 @@
           <a:p>
             <a:r>
               <a:rPr lang="de-DE" smtClean="0"/>
-              <a:t>11.07.2018</a:t>
+              <a:t>16.07.2018</a:t>
             </a:r>
             <a:endParaRPr lang="de-DE" dirty="0"/>
           </a:p>
@@ -1707,7 +1634,7 @@
           <a:p>
             <a:r>
               <a:rPr lang="de-DE" smtClean="0"/>
-              <a:t>11.07.2018</a:t>
+              <a:t>16.07.2018</a:t>
             </a:r>
             <a:endParaRPr lang="de-DE" dirty="0"/>
           </a:p>
@@ -2182,7 +2109,7 @@
           <a:p>
             <a:r>
               <a:rPr lang="de-DE" smtClean="0"/>
-              <a:t>11.07.2018</a:t>
+              <a:t>16.07.2018</a:t>
             </a:r>
             <a:endParaRPr lang="de-DE" dirty="0"/>
           </a:p>
@@ -3113,7 +3040,7 @@
           <a:p>
             <a:r>
               <a:rPr lang="de-DE" smtClean="0"/>
-              <a:t>11.07.2018</a:t>
+              <a:t>16.07.2018</a:t>
             </a:r>
             <a:endParaRPr lang="de-DE" dirty="0"/>
           </a:p>
@@ -3584,7 +3511,7 @@
           <a:p>
             <a:r>
               <a:rPr lang="de-DE" smtClean="0"/>
-              <a:t>11.07.2018</a:t>
+              <a:t>16.07.2018</a:t>
             </a:r>
             <a:endParaRPr lang="de-DE" dirty="0"/>
           </a:p>
@@ -4052,7 +3979,7 @@
           <a:p>
             <a:r>
               <a:rPr lang="de-DE" smtClean="0"/>
-              <a:t>11.07.2018</a:t>
+              <a:t>16.07.2018</a:t>
             </a:r>
             <a:endParaRPr lang="de-DE" dirty="0"/>
           </a:p>
@@ -4455,7 +4382,7 @@
           <a:p>
             <a:r>
               <a:rPr lang="de-DE" smtClean="0"/>
-              <a:t>11.07.2018</a:t>
+              <a:t>16.07.2018</a:t>
             </a:r>
             <a:endParaRPr lang="de-DE" dirty="0"/>
           </a:p>
@@ -4867,7 +4794,7 @@
           <a:p>
             <a:r>
               <a:rPr lang="de-DE" smtClean="0"/>
-              <a:t>11.07.2018</a:t>
+              <a:t>16.07.2018</a:t>
             </a:r>
             <a:endParaRPr lang="de-DE" dirty="0"/>
           </a:p>
@@ -5175,7 +5102,7 @@
           <a:p>
             <a:r>
               <a:rPr lang="de-DE" smtClean="0"/>
-              <a:t>11.07.2018</a:t>
+              <a:t>16.07.2018</a:t>
             </a:r>
             <a:endParaRPr lang="de-DE" dirty="0"/>
           </a:p>
@@ -5730,7 +5657,7 @@
           <a:p>
             <a:r>
               <a:rPr lang="de-DE" smtClean="0"/>
-              <a:t>11.07.2018</a:t>
+              <a:t>16.07.2018</a:t>
             </a:r>
             <a:endParaRPr lang="de-DE" dirty="0"/>
           </a:p>
@@ -6109,7 +6036,7 @@
           <a:p>
             <a:r>
               <a:rPr lang="de-DE" smtClean="0"/>
-              <a:t>11.07.2018</a:t>
+              <a:t>16.07.2018</a:t>
             </a:r>
             <a:endParaRPr lang="de-DE" dirty="0"/>
           </a:p>
@@ -6584,7 +6511,7 @@
           <a:p>
             <a:r>
               <a:rPr lang="de-DE" smtClean="0"/>
-              <a:t>11.07.2018</a:t>
+              <a:t>16.07.2018</a:t>
             </a:r>
             <a:endParaRPr lang="de-DE" dirty="0"/>
           </a:p>
@@ -7059,7 +6986,7 @@
           <a:p>
             <a:r>
               <a:rPr lang="de-DE" smtClean="0"/>
-              <a:t>11.07.2018</a:t>
+              <a:t>16.07.2018</a:t>
             </a:r>
             <a:endParaRPr lang="de-DE" dirty="0"/>
           </a:p>
@@ -7534,7 +7461,7 @@
           <a:p>
             <a:r>
               <a:rPr lang="de-DE" smtClean="0"/>
-              <a:t>11.07.2018</a:t>
+              <a:t>16.07.2018</a:t>
             </a:r>
             <a:endParaRPr lang="de-DE" dirty="0"/>
           </a:p>
@@ -7726,7 +7653,7 @@
           <a:p>
             <a:r>
               <a:rPr lang="de-DE" smtClean="0"/>
-              <a:t>11.07.2018</a:t>
+              <a:t>16.07.2018</a:t>
             </a:r>
             <a:endParaRPr lang="de-DE" dirty="0"/>
           </a:p>
@@ -8157,22 +8084,9 @@
           <a:lstStyle/>
           <a:p>
             <a:r>
-              <a:rPr lang="de-DE" sz="1600" dirty="0" err="1" smtClean="0"/>
-              <a:t>Advanced</a:t>
-            </a:r>
-            <a:r>
               <a:rPr lang="de-DE" sz="1600" dirty="0" smtClean="0"/>
-              <a:t> Topics: </a:t>
-            </a:r>
-            <a:r>
-              <a:rPr lang="de-DE" sz="1600" dirty="0" err="1" smtClean="0"/>
-              <a:t>Machine</a:t>
-            </a:r>
-            <a:r>
-              <a:rPr lang="de-DE" sz="1600" dirty="0" smtClean="0"/>
-              <a:t> Learning</a:t>
-            </a:r>
-            <a:endParaRPr lang="de-DE" sz="1600" dirty="0" smtClean="0"/>
+              <a:t>Advanced Topics: Machine Learning</a:t>
+            </a:r>
           </a:p>
           <a:p>
             <a:endParaRPr lang="de-DE" sz="1600" dirty="0"/>
@@ -8196,11 +8110,7 @@
           <a:p>
             <a:r>
               <a:rPr lang="de-DE" sz="3200" dirty="0" smtClean="0"/>
-              <a:t>Course </a:t>
-            </a:r>
-            <a:r>
-              <a:rPr lang="de-DE" sz="3200" dirty="0" err="1" smtClean="0"/>
-              <a:t>project</a:t>
+              <a:t>Course project</a:t>
             </a:r>
             <a:endParaRPr lang="de-DE" sz="3200" dirty="0"/>
           </a:p>
@@ -8223,7 +8133,7 @@
           <a:p>
             <a:r>
               <a:rPr lang="de-DE" smtClean="0"/>
-              <a:t>11.07.2018</a:t>
+              <a:t>16.07.2018</a:t>
             </a:r>
             <a:endParaRPr lang="de-DE" dirty="0"/>
           </a:p>
@@ -8291,37 +8201,6 @@
       </p:grpSpPr>
       <p:sp>
         <p:nvSpPr>
-          <p:cNvPr id="2" name="Title 1"/>
-          <p:cNvSpPr>
-            <a:spLocks noGrp="1"/>
-          </p:cNvSpPr>
-          <p:nvPr>
-            <p:ph type="title"/>
-          </p:nvPr>
-        </p:nvSpPr>
-        <p:spPr/>
-        <p:txBody>
-          <a:bodyPr/>
-          <a:lstStyle/>
-          <a:p>
-            <a:r>
-              <a:rPr lang="de-DE" sz="3200" dirty="0" err="1"/>
-              <a:t>e</a:t>
-            </a:r>
-            <a:r>
-              <a:rPr lang="de-DE" sz="3200" dirty="0" err="1" smtClean="0"/>
-              <a:t>valuation</a:t>
-            </a:r>
-            <a:r>
-              <a:rPr lang="de-DE" sz="3200" dirty="0" smtClean="0"/>
-              <a:t> – f1 score</a:t>
-            </a:r>
-            <a:endParaRPr lang="de-DE" sz="3200" dirty="0"/>
-          </a:p>
-        </p:txBody>
-      </p:sp>
-      <p:sp>
-        <p:nvSpPr>
           <p:cNvPr id="3" name="Text Placeholder 2"/>
           <p:cNvSpPr>
             <a:spLocks noGrp="1"/>
@@ -8337,7 +8216,7 @@
           <a:p>
             <a:r>
               <a:rPr lang="de-DE" dirty="0" err="1" smtClean="0"/>
-              <a:t>evaluation</a:t>
+              <a:t>dataset</a:t>
             </a:r>
             <a:endParaRPr lang="de-DE" dirty="0"/>
           </a:p>
@@ -8383,7 +8262,7 @@
           <a:p>
             <a:r>
               <a:rPr lang="de-DE" smtClean="0"/>
-              <a:t>11.07.2018</a:t>
+              <a:t>16.07.2018</a:t>
             </a:r>
             <a:endParaRPr lang="de-DE" dirty="0"/>
           </a:p>
@@ -8412,9 +8291,39 @@
           </a:p>
         </p:txBody>
       </p:sp>
-      <p:sp>
-        <p:nvSpPr>
-          <p:cNvPr id="7" name="Slide Number Placeholder 6"/>
+      <p:pic>
+        <p:nvPicPr>
+          <p:cNvPr id="8" name="Picture 7"/>
+          <p:cNvPicPr>
+            <a:picLocks noChangeAspect="1"/>
+          </p:cNvPicPr>
+          <p:nvPr/>
+        </p:nvPicPr>
+        <p:blipFill>
+          <a:blip r:embed="rId2">
+            <a:extLst>
+              <a:ext uri="{28A0092B-C50C-407E-A947-70E740481C1C}">
+                <a14:useLocalDpi xmlns:a14="http://schemas.microsoft.com/office/drawing/2010/main" val="0"/>
+              </a:ext>
+            </a:extLst>
+          </a:blip>
+          <a:stretch>
+            <a:fillRect/>
+          </a:stretch>
+        </p:blipFill>
+        <p:spPr>
+          <a:xfrm>
+            <a:off x="1259632" y="390378"/>
+            <a:ext cx="6408712" cy="4268202"/>
+          </a:xfrm>
+          <a:prstGeom prst="rect">
+            <a:avLst/>
+          </a:prstGeom>
+        </p:spPr>
+      </p:pic>
+      <p:sp>
+        <p:nvSpPr>
+          <p:cNvPr id="10" name="Slide Number Placeholder 9"/>
           <p:cNvSpPr>
             <a:spLocks noGrp="1"/>
           </p:cNvSpPr>
@@ -8439,7 +8348,7 @@
     </p:spTree>
     <p:extLst>
       <p:ext uri="{BB962C8B-B14F-4D97-AF65-F5344CB8AC3E}">
-        <p14:creationId xmlns:p14="http://schemas.microsoft.com/office/powerpoint/2010/main" val="253892562"/>
+        <p14:creationId xmlns:p14="http://schemas.microsoft.com/office/powerpoint/2010/main" val="2038431797"/>
       </p:ext>
     </p:extLst>
   </p:cSld>
@@ -8475,32 +8384,6 @@
       </p:grpSpPr>
       <p:sp>
         <p:nvSpPr>
-          <p:cNvPr id="2" name="Title 1"/>
-          <p:cNvSpPr>
-            <a:spLocks noGrp="1"/>
-          </p:cNvSpPr>
-          <p:nvPr>
-            <p:ph type="title"/>
-          </p:nvPr>
-        </p:nvSpPr>
-        <p:spPr/>
-        <p:txBody>
-          <a:bodyPr/>
-          <a:lstStyle/>
-          <a:p>
-            <a:r>
-              <a:rPr lang="de-DE" sz="3200" dirty="0" smtClean="0"/>
-              <a:t>DEMO</a:t>
-            </a:r>
-            <a:br>
-              <a:rPr lang="de-DE" sz="3200" dirty="0" smtClean="0"/>
-            </a:br>
-            <a:endParaRPr lang="de-DE" sz="3200" dirty="0"/>
-          </a:p>
-        </p:txBody>
-      </p:sp>
-      <p:sp>
-        <p:nvSpPr>
           <p:cNvPr id="3" name="Text Placeholder 2"/>
           <p:cNvSpPr>
             <a:spLocks noGrp="1"/>
@@ -8516,7 +8399,7 @@
           <a:p>
             <a:r>
               <a:rPr lang="de-DE" dirty="0" err="1" smtClean="0"/>
-              <a:t>demo</a:t>
+              <a:t>dataset</a:t>
             </a:r>
             <a:endParaRPr lang="de-DE" dirty="0"/>
           </a:p>
@@ -8562,7 +8445,7 @@
           <a:p>
             <a:r>
               <a:rPr lang="de-DE" smtClean="0"/>
-              <a:t>11.07.2018</a:t>
+              <a:t>16.07.2018</a:t>
             </a:r>
             <a:endParaRPr lang="de-DE" dirty="0"/>
           </a:p>
@@ -8591,9 +8474,39 @@
           </a:p>
         </p:txBody>
       </p:sp>
-      <p:sp>
-        <p:nvSpPr>
-          <p:cNvPr id="10" name="Slide Number Placeholder 9"/>
+      <p:pic>
+        <p:nvPicPr>
+          <p:cNvPr id="8" name="Picture 7"/>
+          <p:cNvPicPr>
+            <a:picLocks noChangeAspect="1"/>
+          </p:cNvPicPr>
+          <p:nvPr/>
+        </p:nvPicPr>
+        <p:blipFill>
+          <a:blip r:embed="rId2">
+            <a:extLst>
+              <a:ext uri="{28A0092B-C50C-407E-A947-70E740481C1C}">
+                <a14:useLocalDpi xmlns:a14="http://schemas.microsoft.com/office/drawing/2010/main" val="0"/>
+              </a:ext>
+            </a:extLst>
+          </a:blip>
+          <a:stretch>
+            <a:fillRect/>
+          </a:stretch>
+        </p:blipFill>
+        <p:spPr>
+          <a:xfrm>
+            <a:off x="1259632" y="390378"/>
+            <a:ext cx="6408711" cy="4268202"/>
+          </a:xfrm>
+          <a:prstGeom prst="rect">
+            <a:avLst/>
+          </a:prstGeom>
+        </p:spPr>
+      </p:pic>
+      <p:sp>
+        <p:nvSpPr>
+          <p:cNvPr id="2" name="Slide Number Placeholder 1"/>
           <p:cNvSpPr>
             <a:spLocks noGrp="1"/>
           </p:cNvSpPr>
@@ -8610,6 +8523,3068 @@
               <a:rPr lang="de-DE" smtClean="0"/>
               <a:pPr/>
               <a:t>11</a:t>
+            </a:fld>
+            <a:endParaRPr lang="de-DE" dirty="0"/>
+          </a:p>
+        </p:txBody>
+      </p:sp>
+    </p:spTree>
+    <p:extLst>
+      <p:ext uri="{BB962C8B-B14F-4D97-AF65-F5344CB8AC3E}">
+        <p14:creationId xmlns:p14="http://schemas.microsoft.com/office/powerpoint/2010/main" val="3870284738"/>
+      </p:ext>
+    </p:extLst>
+  </p:cSld>
+  <p:clrMapOvr>
+    <a:masterClrMapping/>
+  </p:clrMapOvr>
+  <p:timing>
+    <p:tnLst>
+      <p:par>
+        <p:cTn id="1" dur="indefinite" restart="never" nodeType="tmRoot"/>
+      </p:par>
+    </p:tnLst>
+  </p:timing>
+</p:sld>
+</file>
+
+<file path=ppt/slides/slide12.xml><?xml version="1.0" encoding="utf-8"?>
+<p:sld xmlns:a="http://schemas.openxmlformats.org/drawingml/2006/main" xmlns:r="http://schemas.openxmlformats.org/officeDocument/2006/relationships" xmlns:p="http://schemas.openxmlformats.org/presentationml/2006/main">
+  <p:cSld>
+    <p:spTree>
+      <p:nvGrpSpPr>
+        <p:cNvPr id="1" name=""/>
+        <p:cNvGrpSpPr/>
+        <p:nvPr/>
+      </p:nvGrpSpPr>
+      <p:grpSpPr>
+        <a:xfrm>
+          <a:off x="0" y="0"/>
+          <a:ext cx="0" cy="0"/>
+          <a:chOff x="0" y="0"/>
+          <a:chExt cx="0" cy="0"/>
+        </a:xfrm>
+      </p:grpSpPr>
+      <p:sp>
+        <p:nvSpPr>
+          <p:cNvPr id="2" name="Title 1"/>
+          <p:cNvSpPr>
+            <a:spLocks noGrp="1"/>
+          </p:cNvSpPr>
+          <p:nvPr>
+            <p:ph type="title"/>
+          </p:nvPr>
+        </p:nvSpPr>
+        <p:spPr/>
+        <p:txBody>
+          <a:bodyPr/>
+          <a:lstStyle/>
+          <a:p>
+            <a:r>
+              <a:rPr lang="de-DE" sz="3200" dirty="0" err="1"/>
+              <a:t>p</a:t>
+            </a:r>
+            <a:r>
+              <a:rPr lang="de-DE" sz="3200" dirty="0" err="1" smtClean="0"/>
+              <a:t>roblems</a:t>
+            </a:r>
+            <a:r>
+              <a:rPr lang="de-DE" sz="3200" dirty="0" smtClean="0"/>
+              <a:t>?</a:t>
+            </a:r>
+            <a:endParaRPr lang="de-DE" sz="3200" dirty="0"/>
+          </a:p>
+        </p:txBody>
+      </p:sp>
+      <p:sp>
+        <p:nvSpPr>
+          <p:cNvPr id="3" name="Text Placeholder 2"/>
+          <p:cNvSpPr>
+            <a:spLocks noGrp="1"/>
+          </p:cNvSpPr>
+          <p:nvPr>
+            <p:ph type="body" sz="quarter" idx="14"/>
+          </p:nvPr>
+        </p:nvSpPr>
+        <p:spPr/>
+        <p:txBody>
+          <a:bodyPr/>
+          <a:lstStyle/>
+          <a:p>
+            <a:r>
+              <a:rPr lang="de-DE" dirty="0" err="1" smtClean="0"/>
+              <a:t>dataset</a:t>
+            </a:r>
+            <a:endParaRPr lang="de-DE" dirty="0"/>
+          </a:p>
+        </p:txBody>
+      </p:sp>
+      <p:sp>
+        <p:nvSpPr>
+          <p:cNvPr id="4" name="Text Placeholder 3"/>
+          <p:cNvSpPr>
+            <a:spLocks noGrp="1"/>
+          </p:cNvSpPr>
+          <p:nvPr>
+            <p:ph type="body" sz="quarter" idx="13"/>
+          </p:nvPr>
+        </p:nvSpPr>
+        <p:spPr/>
+        <p:txBody>
+          <a:bodyPr/>
+          <a:lstStyle/>
+          <a:p>
+            <a:pPr marL="463550" lvl="1" indent="-285750">
+              <a:buFontTx/>
+              <a:buChar char="-"/>
+            </a:pPr>
+            <a:r>
+              <a:rPr lang="de-DE" sz="2200" dirty="0" err="1">
+                <a:solidFill>
+                  <a:schemeClr val="bg2">
+                    <a:lumMod val="85000"/>
+                  </a:schemeClr>
+                </a:solidFill>
+              </a:rPr>
+              <a:t>d</a:t>
+            </a:r>
+            <a:r>
+              <a:rPr lang="de-DE" sz="2200" dirty="0" err="1" smtClean="0">
+                <a:solidFill>
+                  <a:schemeClr val="bg2">
+                    <a:lumMod val="85000"/>
+                  </a:schemeClr>
+                </a:solidFill>
+              </a:rPr>
+              <a:t>andelions</a:t>
+            </a:r>
+            <a:r>
+              <a:rPr lang="de-DE" sz="2200" dirty="0" smtClean="0">
+                <a:solidFill>
+                  <a:schemeClr val="bg2">
+                    <a:lumMod val="85000"/>
+                  </a:schemeClr>
+                </a:solidFill>
+              </a:rPr>
+              <a:t> </a:t>
+            </a:r>
+            <a:r>
+              <a:rPr lang="de-DE" sz="2200" dirty="0" err="1" smtClean="0">
+                <a:solidFill>
+                  <a:schemeClr val="bg2">
+                    <a:lumMod val="85000"/>
+                  </a:schemeClr>
+                </a:solidFill>
+              </a:rPr>
+              <a:t>can</a:t>
+            </a:r>
+            <a:r>
+              <a:rPr lang="de-DE" sz="2200" dirty="0" smtClean="0">
+                <a:solidFill>
+                  <a:schemeClr val="bg2">
+                    <a:lumMod val="85000"/>
+                  </a:schemeClr>
+                </a:solidFill>
+              </a:rPr>
+              <a:t> </a:t>
+            </a:r>
+            <a:r>
+              <a:rPr lang="de-DE" sz="2200" dirty="0" err="1" smtClean="0">
+                <a:solidFill>
+                  <a:schemeClr val="bg2">
+                    <a:lumMod val="85000"/>
+                  </a:schemeClr>
+                </a:solidFill>
+              </a:rPr>
+              <a:t>have</a:t>
+            </a:r>
+            <a:r>
+              <a:rPr lang="de-DE" sz="2200" dirty="0" smtClean="0">
+                <a:solidFill>
+                  <a:schemeClr val="bg2">
+                    <a:lumMod val="85000"/>
+                  </a:schemeClr>
+                </a:solidFill>
+              </a:rPr>
+              <a:t> </a:t>
+            </a:r>
+            <a:r>
+              <a:rPr lang="de-DE" sz="2200" dirty="0" err="1" smtClean="0">
+                <a:solidFill>
+                  <a:schemeClr val="bg2">
+                    <a:lumMod val="85000"/>
+                  </a:schemeClr>
+                </a:solidFill>
+              </a:rPr>
+              <a:t>two</a:t>
+            </a:r>
+            <a:r>
+              <a:rPr lang="de-DE" sz="2200" dirty="0" smtClean="0">
+                <a:solidFill>
+                  <a:schemeClr val="bg2">
+                    <a:lumMod val="85000"/>
+                  </a:schemeClr>
+                </a:solidFill>
+              </a:rPr>
+              <a:t> different „</a:t>
+            </a:r>
+            <a:r>
+              <a:rPr lang="de-DE" sz="2200" dirty="0" err="1" smtClean="0">
+                <a:solidFill>
+                  <a:schemeClr val="bg2">
+                    <a:lumMod val="85000"/>
+                  </a:schemeClr>
+                </a:solidFill>
+              </a:rPr>
+              <a:t>looks</a:t>
+            </a:r>
+            <a:r>
+              <a:rPr lang="de-DE" sz="2200" dirty="0" smtClean="0">
+                <a:solidFill>
+                  <a:schemeClr val="bg2">
+                    <a:lumMod val="85000"/>
+                  </a:schemeClr>
+                </a:solidFill>
+              </a:rPr>
+              <a:t>“</a:t>
+            </a:r>
+          </a:p>
+          <a:p>
+            <a:pPr marL="463550" lvl="1" indent="-285750">
+              <a:buFontTx/>
+              <a:buChar char="-"/>
+            </a:pPr>
+            <a:r>
+              <a:rPr lang="de-DE" sz="2200" dirty="0" err="1"/>
+              <a:t>y</a:t>
+            </a:r>
+            <a:r>
+              <a:rPr lang="de-DE" sz="2200" dirty="0" err="1" smtClean="0"/>
+              <a:t>ellow</a:t>
+            </a:r>
+            <a:r>
+              <a:rPr lang="de-DE" sz="2200" dirty="0" smtClean="0"/>
+              <a:t> </a:t>
+            </a:r>
+            <a:r>
+              <a:rPr lang="de-DE" sz="2200" dirty="0" err="1" smtClean="0"/>
+              <a:t>dandelions</a:t>
+            </a:r>
+            <a:r>
+              <a:rPr lang="de-DE" sz="2200" dirty="0" smtClean="0"/>
+              <a:t> </a:t>
+            </a:r>
+            <a:r>
+              <a:rPr lang="de-DE" sz="2200" dirty="0" err="1" smtClean="0"/>
+              <a:t>can</a:t>
+            </a:r>
+            <a:r>
+              <a:rPr lang="de-DE" sz="2200" dirty="0" smtClean="0"/>
+              <a:t> </a:t>
+            </a:r>
+            <a:r>
+              <a:rPr lang="de-DE" sz="2200" dirty="0" err="1" smtClean="0"/>
+              <a:t>look</a:t>
+            </a:r>
+            <a:r>
+              <a:rPr lang="de-DE" sz="2200" dirty="0" smtClean="0"/>
+              <a:t> like </a:t>
+            </a:r>
+            <a:r>
+              <a:rPr lang="de-DE" sz="2200" dirty="0" err="1" smtClean="0"/>
+              <a:t>sunflowers</a:t>
+            </a:r>
+            <a:endParaRPr lang="de-DE" sz="2200" dirty="0" smtClean="0"/>
+          </a:p>
+        </p:txBody>
+      </p:sp>
+      <p:sp>
+        <p:nvSpPr>
+          <p:cNvPr id="5" name="Date Placeholder 4"/>
+          <p:cNvSpPr>
+            <a:spLocks noGrp="1"/>
+          </p:cNvSpPr>
+          <p:nvPr>
+            <p:ph type="dt" sz="half" idx="15"/>
+          </p:nvPr>
+        </p:nvSpPr>
+        <p:spPr/>
+        <p:txBody>
+          <a:bodyPr/>
+          <a:lstStyle/>
+          <a:p>
+            <a:r>
+              <a:rPr lang="de-DE" smtClean="0"/>
+              <a:t>16.07.2018</a:t>
+            </a:r>
+            <a:endParaRPr lang="de-DE" dirty="0"/>
+          </a:p>
+        </p:txBody>
+      </p:sp>
+      <p:sp>
+        <p:nvSpPr>
+          <p:cNvPr id="9" name="Footer Placeholder 8"/>
+          <p:cNvSpPr>
+            <a:spLocks noGrp="1"/>
+          </p:cNvSpPr>
+          <p:nvPr>
+            <p:ph type="ftr" sz="quarter" idx="16"/>
+          </p:nvPr>
+        </p:nvSpPr>
+        <p:spPr/>
+        <p:txBody>
+          <a:bodyPr/>
+          <a:lstStyle/>
+          <a:p>
+            <a:r>
+              <a:rPr lang="de-DE" smtClean="0"/>
+              <a:t>Chris Rebbelin s0548921</a:t>
+            </a:r>
+            <a:endParaRPr lang="de-DE" dirty="0"/>
+          </a:p>
+        </p:txBody>
+      </p:sp>
+      <p:sp>
+        <p:nvSpPr>
+          <p:cNvPr id="6" name="Slide Number Placeholder 5"/>
+          <p:cNvSpPr>
+            <a:spLocks noGrp="1"/>
+          </p:cNvSpPr>
+          <p:nvPr>
+            <p:ph type="sldNum" sz="quarter" idx="17"/>
+          </p:nvPr>
+        </p:nvSpPr>
+        <p:spPr/>
+        <p:txBody>
+          <a:bodyPr/>
+          <a:lstStyle/>
+          <a:p>
+            <a:fld id="{568A94F9-E96B-424F-A189-B27A5A923EEF}" type="slidenum">
+              <a:rPr lang="de-DE" smtClean="0"/>
+              <a:pPr/>
+              <a:t>12</a:t>
+            </a:fld>
+            <a:endParaRPr lang="de-DE" dirty="0"/>
+          </a:p>
+        </p:txBody>
+      </p:sp>
+    </p:spTree>
+    <p:extLst>
+      <p:ext uri="{BB962C8B-B14F-4D97-AF65-F5344CB8AC3E}">
+        <p14:creationId xmlns:p14="http://schemas.microsoft.com/office/powerpoint/2010/main" val="2117118880"/>
+      </p:ext>
+    </p:extLst>
+  </p:cSld>
+  <p:clrMapOvr>
+    <a:masterClrMapping/>
+  </p:clrMapOvr>
+  <p:timing>
+    <p:tnLst>
+      <p:par>
+        <p:cTn id="1" dur="indefinite" restart="never" nodeType="tmRoot"/>
+      </p:par>
+    </p:tnLst>
+  </p:timing>
+</p:sld>
+</file>
+
+<file path=ppt/slides/slide13.xml><?xml version="1.0" encoding="utf-8"?>
+<p:sld xmlns:a="http://schemas.openxmlformats.org/drawingml/2006/main" xmlns:r="http://schemas.openxmlformats.org/officeDocument/2006/relationships" xmlns:p="http://schemas.openxmlformats.org/presentationml/2006/main">
+  <p:cSld>
+    <p:spTree>
+      <p:nvGrpSpPr>
+        <p:cNvPr id="1" name=""/>
+        <p:cNvGrpSpPr/>
+        <p:nvPr/>
+      </p:nvGrpSpPr>
+      <p:grpSpPr>
+        <a:xfrm>
+          <a:off x="0" y="0"/>
+          <a:ext cx="0" cy="0"/>
+          <a:chOff x="0" y="0"/>
+          <a:chExt cx="0" cy="0"/>
+        </a:xfrm>
+      </p:grpSpPr>
+      <p:sp>
+        <p:nvSpPr>
+          <p:cNvPr id="3" name="Text Placeholder 2"/>
+          <p:cNvSpPr>
+            <a:spLocks noGrp="1"/>
+          </p:cNvSpPr>
+          <p:nvPr>
+            <p:ph type="body" sz="quarter" idx="14"/>
+          </p:nvPr>
+        </p:nvSpPr>
+        <p:spPr/>
+        <p:txBody>
+          <a:bodyPr/>
+          <a:lstStyle/>
+          <a:p>
+            <a:r>
+              <a:rPr lang="de-DE" dirty="0" err="1" smtClean="0"/>
+              <a:t>dataset</a:t>
+            </a:r>
+            <a:endParaRPr lang="de-DE" dirty="0"/>
+          </a:p>
+        </p:txBody>
+      </p:sp>
+      <p:sp>
+        <p:nvSpPr>
+          <p:cNvPr id="4" name="Text Placeholder 3"/>
+          <p:cNvSpPr>
+            <a:spLocks noGrp="1"/>
+          </p:cNvSpPr>
+          <p:nvPr>
+            <p:ph type="body" sz="quarter" idx="13"/>
+          </p:nvPr>
+        </p:nvSpPr>
+        <p:spPr/>
+        <p:txBody>
+          <a:bodyPr/>
+          <a:lstStyle/>
+          <a:p>
+            <a:pPr marL="463550" lvl="1" indent="-285750">
+              <a:buFontTx/>
+              <a:buChar char="-"/>
+            </a:pPr>
+            <a:endParaRPr lang="de-DE" sz="2200" dirty="0" smtClean="0"/>
+          </a:p>
+        </p:txBody>
+      </p:sp>
+      <p:sp>
+        <p:nvSpPr>
+          <p:cNvPr id="5" name="Date Placeholder 4"/>
+          <p:cNvSpPr>
+            <a:spLocks noGrp="1"/>
+          </p:cNvSpPr>
+          <p:nvPr>
+            <p:ph type="dt" sz="half" idx="15"/>
+          </p:nvPr>
+        </p:nvSpPr>
+        <p:spPr/>
+        <p:txBody>
+          <a:bodyPr/>
+          <a:lstStyle/>
+          <a:p>
+            <a:r>
+              <a:rPr lang="de-DE" smtClean="0"/>
+              <a:t>16.07.2018</a:t>
+            </a:r>
+            <a:endParaRPr lang="de-DE" dirty="0"/>
+          </a:p>
+        </p:txBody>
+      </p:sp>
+      <p:sp>
+        <p:nvSpPr>
+          <p:cNvPr id="9" name="Footer Placeholder 8"/>
+          <p:cNvSpPr>
+            <a:spLocks noGrp="1"/>
+          </p:cNvSpPr>
+          <p:nvPr>
+            <p:ph type="ftr" sz="quarter" idx="16"/>
+          </p:nvPr>
+        </p:nvSpPr>
+        <p:spPr/>
+        <p:txBody>
+          <a:bodyPr/>
+          <a:lstStyle/>
+          <a:p>
+            <a:r>
+              <a:rPr lang="de-DE" smtClean="0"/>
+              <a:t>Chris Rebbelin s0548921</a:t>
+            </a:r>
+            <a:endParaRPr lang="de-DE" dirty="0"/>
+          </a:p>
+        </p:txBody>
+      </p:sp>
+      <p:pic>
+        <p:nvPicPr>
+          <p:cNvPr id="8" name="Picture 7"/>
+          <p:cNvPicPr>
+            <a:picLocks noChangeAspect="1"/>
+          </p:cNvPicPr>
+          <p:nvPr/>
+        </p:nvPicPr>
+        <p:blipFill>
+          <a:blip r:embed="rId2">
+            <a:extLst>
+              <a:ext uri="{28A0092B-C50C-407E-A947-70E740481C1C}">
+                <a14:useLocalDpi xmlns:a14="http://schemas.microsoft.com/office/drawing/2010/main" val="0"/>
+              </a:ext>
+            </a:extLst>
+          </a:blip>
+          <a:stretch>
+            <a:fillRect/>
+          </a:stretch>
+        </p:blipFill>
+        <p:spPr>
+          <a:xfrm>
+            <a:off x="1618519" y="390378"/>
+            <a:ext cx="5690936" cy="4268202"/>
+          </a:xfrm>
+          <a:prstGeom prst="rect">
+            <a:avLst/>
+          </a:prstGeom>
+        </p:spPr>
+      </p:pic>
+      <p:sp>
+        <p:nvSpPr>
+          <p:cNvPr id="2" name="Slide Number Placeholder 1"/>
+          <p:cNvSpPr>
+            <a:spLocks noGrp="1"/>
+          </p:cNvSpPr>
+          <p:nvPr>
+            <p:ph type="sldNum" sz="quarter" idx="17"/>
+          </p:nvPr>
+        </p:nvSpPr>
+        <p:spPr/>
+        <p:txBody>
+          <a:bodyPr/>
+          <a:lstStyle/>
+          <a:p>
+            <a:fld id="{568A94F9-E96B-424F-A189-B27A5A923EEF}" type="slidenum">
+              <a:rPr lang="de-DE" smtClean="0"/>
+              <a:pPr/>
+              <a:t>13</a:t>
+            </a:fld>
+            <a:endParaRPr lang="de-DE" dirty="0"/>
+          </a:p>
+        </p:txBody>
+      </p:sp>
+    </p:spTree>
+    <p:extLst>
+      <p:ext uri="{BB962C8B-B14F-4D97-AF65-F5344CB8AC3E}">
+        <p14:creationId xmlns:p14="http://schemas.microsoft.com/office/powerpoint/2010/main" val="2348006962"/>
+      </p:ext>
+    </p:extLst>
+  </p:cSld>
+  <p:clrMapOvr>
+    <a:masterClrMapping/>
+  </p:clrMapOvr>
+  <p:timing>
+    <p:tnLst>
+      <p:par>
+        <p:cTn id="1" dur="indefinite" restart="never" nodeType="tmRoot"/>
+      </p:par>
+    </p:tnLst>
+  </p:timing>
+</p:sld>
+</file>
+
+<file path=ppt/slides/slide14.xml><?xml version="1.0" encoding="utf-8"?>
+<p:sld xmlns:a="http://schemas.openxmlformats.org/drawingml/2006/main" xmlns:r="http://schemas.openxmlformats.org/officeDocument/2006/relationships" xmlns:p="http://schemas.openxmlformats.org/presentationml/2006/main">
+  <p:cSld>
+    <p:spTree>
+      <p:nvGrpSpPr>
+        <p:cNvPr id="1" name=""/>
+        <p:cNvGrpSpPr/>
+        <p:nvPr/>
+      </p:nvGrpSpPr>
+      <p:grpSpPr>
+        <a:xfrm>
+          <a:off x="0" y="0"/>
+          <a:ext cx="0" cy="0"/>
+          <a:chOff x="0" y="0"/>
+          <a:chExt cx="0" cy="0"/>
+        </a:xfrm>
+      </p:grpSpPr>
+      <p:sp>
+        <p:nvSpPr>
+          <p:cNvPr id="3" name="Text Placeholder 2"/>
+          <p:cNvSpPr>
+            <a:spLocks noGrp="1"/>
+          </p:cNvSpPr>
+          <p:nvPr>
+            <p:ph type="body" sz="quarter" idx="14"/>
+          </p:nvPr>
+        </p:nvSpPr>
+        <p:spPr/>
+        <p:txBody>
+          <a:bodyPr/>
+          <a:lstStyle/>
+          <a:p>
+            <a:r>
+              <a:rPr lang="de-DE" dirty="0" err="1" smtClean="0"/>
+              <a:t>dataset</a:t>
+            </a:r>
+            <a:endParaRPr lang="de-DE" dirty="0"/>
+          </a:p>
+        </p:txBody>
+      </p:sp>
+      <p:sp>
+        <p:nvSpPr>
+          <p:cNvPr id="4" name="Text Placeholder 3"/>
+          <p:cNvSpPr>
+            <a:spLocks noGrp="1"/>
+          </p:cNvSpPr>
+          <p:nvPr>
+            <p:ph type="body" sz="quarter" idx="13"/>
+          </p:nvPr>
+        </p:nvSpPr>
+        <p:spPr/>
+        <p:txBody>
+          <a:bodyPr/>
+          <a:lstStyle/>
+          <a:p>
+            <a:pPr marL="463550" lvl="1" indent="-285750">
+              <a:buFontTx/>
+              <a:buChar char="-"/>
+            </a:pPr>
+            <a:endParaRPr lang="de-DE" sz="2200" dirty="0" smtClean="0"/>
+          </a:p>
+        </p:txBody>
+      </p:sp>
+      <p:sp>
+        <p:nvSpPr>
+          <p:cNvPr id="5" name="Date Placeholder 4"/>
+          <p:cNvSpPr>
+            <a:spLocks noGrp="1"/>
+          </p:cNvSpPr>
+          <p:nvPr>
+            <p:ph type="dt" sz="half" idx="15"/>
+          </p:nvPr>
+        </p:nvSpPr>
+        <p:spPr/>
+        <p:txBody>
+          <a:bodyPr/>
+          <a:lstStyle/>
+          <a:p>
+            <a:r>
+              <a:rPr lang="de-DE" smtClean="0"/>
+              <a:t>16.07.2018</a:t>
+            </a:r>
+            <a:endParaRPr lang="de-DE" dirty="0"/>
+          </a:p>
+        </p:txBody>
+      </p:sp>
+      <p:sp>
+        <p:nvSpPr>
+          <p:cNvPr id="9" name="Footer Placeholder 8"/>
+          <p:cNvSpPr>
+            <a:spLocks noGrp="1"/>
+          </p:cNvSpPr>
+          <p:nvPr>
+            <p:ph type="ftr" sz="quarter" idx="16"/>
+          </p:nvPr>
+        </p:nvSpPr>
+        <p:spPr/>
+        <p:txBody>
+          <a:bodyPr/>
+          <a:lstStyle/>
+          <a:p>
+            <a:r>
+              <a:rPr lang="de-DE" smtClean="0"/>
+              <a:t>Chris Rebbelin s0548921</a:t>
+            </a:r>
+            <a:endParaRPr lang="de-DE" dirty="0"/>
+          </a:p>
+        </p:txBody>
+      </p:sp>
+      <p:pic>
+        <p:nvPicPr>
+          <p:cNvPr id="8" name="Picture 7"/>
+          <p:cNvPicPr>
+            <a:picLocks noChangeAspect="1"/>
+          </p:cNvPicPr>
+          <p:nvPr/>
+        </p:nvPicPr>
+        <p:blipFill>
+          <a:blip r:embed="rId2">
+            <a:extLst>
+              <a:ext uri="{28A0092B-C50C-407E-A947-70E740481C1C}">
+                <a14:useLocalDpi xmlns:a14="http://schemas.microsoft.com/office/drawing/2010/main" val="0"/>
+              </a:ext>
+            </a:extLst>
+          </a:blip>
+          <a:stretch>
+            <a:fillRect/>
+          </a:stretch>
+        </p:blipFill>
+        <p:spPr>
+          <a:xfrm>
+            <a:off x="1259632" y="409604"/>
+            <a:ext cx="6408711" cy="4229749"/>
+          </a:xfrm>
+          <a:prstGeom prst="rect">
+            <a:avLst/>
+          </a:prstGeom>
+        </p:spPr>
+      </p:pic>
+      <p:sp>
+        <p:nvSpPr>
+          <p:cNvPr id="2" name="Slide Number Placeholder 1"/>
+          <p:cNvSpPr>
+            <a:spLocks noGrp="1"/>
+          </p:cNvSpPr>
+          <p:nvPr>
+            <p:ph type="sldNum" sz="quarter" idx="17"/>
+          </p:nvPr>
+        </p:nvSpPr>
+        <p:spPr/>
+        <p:txBody>
+          <a:bodyPr/>
+          <a:lstStyle/>
+          <a:p>
+            <a:fld id="{568A94F9-E96B-424F-A189-B27A5A923EEF}" type="slidenum">
+              <a:rPr lang="de-DE" smtClean="0"/>
+              <a:pPr/>
+              <a:t>14</a:t>
+            </a:fld>
+            <a:endParaRPr lang="de-DE" dirty="0"/>
+          </a:p>
+        </p:txBody>
+      </p:sp>
+    </p:spTree>
+    <p:extLst>
+      <p:ext uri="{BB962C8B-B14F-4D97-AF65-F5344CB8AC3E}">
+        <p14:creationId xmlns:p14="http://schemas.microsoft.com/office/powerpoint/2010/main" val="249686001"/>
+      </p:ext>
+    </p:extLst>
+  </p:cSld>
+  <p:clrMapOvr>
+    <a:masterClrMapping/>
+  </p:clrMapOvr>
+  <p:timing>
+    <p:tnLst>
+      <p:par>
+        <p:cTn id="1" dur="indefinite" restart="never" nodeType="tmRoot"/>
+      </p:par>
+    </p:tnLst>
+  </p:timing>
+</p:sld>
+</file>
+
+<file path=ppt/slides/slide15.xml><?xml version="1.0" encoding="utf-8"?>
+<p:sld xmlns:a="http://schemas.openxmlformats.org/drawingml/2006/main" xmlns:r="http://schemas.openxmlformats.org/officeDocument/2006/relationships" xmlns:p="http://schemas.openxmlformats.org/presentationml/2006/main">
+  <p:cSld>
+    <p:spTree>
+      <p:nvGrpSpPr>
+        <p:cNvPr id="1" name=""/>
+        <p:cNvGrpSpPr/>
+        <p:nvPr/>
+      </p:nvGrpSpPr>
+      <p:grpSpPr>
+        <a:xfrm>
+          <a:off x="0" y="0"/>
+          <a:ext cx="0" cy="0"/>
+          <a:chOff x="0" y="0"/>
+          <a:chExt cx="0" cy="0"/>
+        </a:xfrm>
+      </p:grpSpPr>
+      <p:sp>
+        <p:nvSpPr>
+          <p:cNvPr id="2" name="Title 1"/>
+          <p:cNvSpPr>
+            <a:spLocks noGrp="1"/>
+          </p:cNvSpPr>
+          <p:nvPr>
+            <p:ph type="title"/>
+          </p:nvPr>
+        </p:nvSpPr>
+        <p:spPr/>
+        <p:txBody>
+          <a:bodyPr/>
+          <a:lstStyle/>
+          <a:p>
+            <a:r>
+              <a:rPr lang="de-DE" sz="3200" dirty="0" err="1"/>
+              <a:t>p</a:t>
+            </a:r>
+            <a:r>
+              <a:rPr lang="de-DE" sz="3200" dirty="0" err="1" smtClean="0"/>
+              <a:t>roblems</a:t>
+            </a:r>
+            <a:r>
+              <a:rPr lang="de-DE" sz="3200" dirty="0" smtClean="0"/>
+              <a:t>?</a:t>
+            </a:r>
+            <a:endParaRPr lang="de-DE" sz="3200" dirty="0"/>
+          </a:p>
+        </p:txBody>
+      </p:sp>
+      <p:sp>
+        <p:nvSpPr>
+          <p:cNvPr id="3" name="Text Placeholder 2"/>
+          <p:cNvSpPr>
+            <a:spLocks noGrp="1"/>
+          </p:cNvSpPr>
+          <p:nvPr>
+            <p:ph type="body" sz="quarter" idx="14"/>
+          </p:nvPr>
+        </p:nvSpPr>
+        <p:spPr/>
+        <p:txBody>
+          <a:bodyPr/>
+          <a:lstStyle/>
+          <a:p>
+            <a:r>
+              <a:rPr lang="de-DE" dirty="0" err="1" smtClean="0"/>
+              <a:t>dataset</a:t>
+            </a:r>
+            <a:endParaRPr lang="de-DE" dirty="0"/>
+          </a:p>
+        </p:txBody>
+      </p:sp>
+      <p:sp>
+        <p:nvSpPr>
+          <p:cNvPr id="4" name="Text Placeholder 3"/>
+          <p:cNvSpPr>
+            <a:spLocks noGrp="1"/>
+          </p:cNvSpPr>
+          <p:nvPr>
+            <p:ph type="body" sz="quarter" idx="13"/>
+          </p:nvPr>
+        </p:nvSpPr>
+        <p:spPr/>
+        <p:txBody>
+          <a:bodyPr/>
+          <a:lstStyle/>
+          <a:p>
+            <a:pPr marL="463550" lvl="1" indent="-285750">
+              <a:buFontTx/>
+              <a:buChar char="-"/>
+            </a:pPr>
+            <a:r>
+              <a:rPr lang="de-DE" sz="2200" dirty="0" err="1">
+                <a:solidFill>
+                  <a:schemeClr val="bg2">
+                    <a:lumMod val="85000"/>
+                  </a:schemeClr>
+                </a:solidFill>
+              </a:rPr>
+              <a:t>d</a:t>
+            </a:r>
+            <a:r>
+              <a:rPr lang="de-DE" sz="2200" dirty="0" err="1" smtClean="0">
+                <a:solidFill>
+                  <a:schemeClr val="bg2">
+                    <a:lumMod val="85000"/>
+                  </a:schemeClr>
+                </a:solidFill>
+              </a:rPr>
+              <a:t>andelions</a:t>
+            </a:r>
+            <a:r>
+              <a:rPr lang="de-DE" sz="2200" dirty="0" smtClean="0">
+                <a:solidFill>
+                  <a:schemeClr val="bg2">
+                    <a:lumMod val="85000"/>
+                  </a:schemeClr>
+                </a:solidFill>
+              </a:rPr>
+              <a:t> </a:t>
+            </a:r>
+            <a:r>
+              <a:rPr lang="de-DE" sz="2200" dirty="0" err="1" smtClean="0">
+                <a:solidFill>
+                  <a:schemeClr val="bg2">
+                    <a:lumMod val="85000"/>
+                  </a:schemeClr>
+                </a:solidFill>
+              </a:rPr>
+              <a:t>can</a:t>
+            </a:r>
+            <a:r>
+              <a:rPr lang="de-DE" sz="2200" dirty="0" smtClean="0">
+                <a:solidFill>
+                  <a:schemeClr val="bg2">
+                    <a:lumMod val="85000"/>
+                  </a:schemeClr>
+                </a:solidFill>
+              </a:rPr>
+              <a:t> </a:t>
+            </a:r>
+            <a:r>
+              <a:rPr lang="de-DE" sz="2200" dirty="0" err="1" smtClean="0">
+                <a:solidFill>
+                  <a:schemeClr val="bg2">
+                    <a:lumMod val="85000"/>
+                  </a:schemeClr>
+                </a:solidFill>
+              </a:rPr>
+              <a:t>have</a:t>
+            </a:r>
+            <a:r>
+              <a:rPr lang="de-DE" sz="2200" dirty="0" smtClean="0">
+                <a:solidFill>
+                  <a:schemeClr val="bg2">
+                    <a:lumMod val="85000"/>
+                  </a:schemeClr>
+                </a:solidFill>
+              </a:rPr>
+              <a:t> </a:t>
+            </a:r>
+            <a:r>
+              <a:rPr lang="de-DE" sz="2200" dirty="0" err="1" smtClean="0">
+                <a:solidFill>
+                  <a:schemeClr val="bg2">
+                    <a:lumMod val="85000"/>
+                  </a:schemeClr>
+                </a:solidFill>
+              </a:rPr>
+              <a:t>two</a:t>
+            </a:r>
+            <a:r>
+              <a:rPr lang="de-DE" sz="2200" dirty="0" smtClean="0">
+                <a:solidFill>
+                  <a:schemeClr val="bg2">
+                    <a:lumMod val="85000"/>
+                  </a:schemeClr>
+                </a:solidFill>
+              </a:rPr>
+              <a:t> different „</a:t>
+            </a:r>
+            <a:r>
+              <a:rPr lang="de-DE" sz="2200" dirty="0" err="1" smtClean="0">
+                <a:solidFill>
+                  <a:schemeClr val="bg2">
+                    <a:lumMod val="85000"/>
+                  </a:schemeClr>
+                </a:solidFill>
+              </a:rPr>
+              <a:t>looks</a:t>
+            </a:r>
+            <a:r>
+              <a:rPr lang="de-DE" sz="2200" dirty="0" smtClean="0">
+                <a:solidFill>
+                  <a:schemeClr val="bg2">
+                    <a:lumMod val="85000"/>
+                  </a:schemeClr>
+                </a:solidFill>
+              </a:rPr>
+              <a:t>“</a:t>
+            </a:r>
+          </a:p>
+          <a:p>
+            <a:pPr marL="463550" lvl="1" indent="-285750">
+              <a:buFontTx/>
+              <a:buChar char="-"/>
+            </a:pPr>
+            <a:r>
+              <a:rPr lang="de-DE" sz="2200" dirty="0" err="1">
+                <a:solidFill>
+                  <a:schemeClr val="bg2">
+                    <a:lumMod val="85000"/>
+                  </a:schemeClr>
+                </a:solidFill>
+              </a:rPr>
+              <a:t>y</a:t>
+            </a:r>
+            <a:r>
+              <a:rPr lang="de-DE" sz="2200" dirty="0" err="1" smtClean="0">
+                <a:solidFill>
+                  <a:schemeClr val="bg2">
+                    <a:lumMod val="85000"/>
+                  </a:schemeClr>
+                </a:solidFill>
+              </a:rPr>
+              <a:t>ellow</a:t>
+            </a:r>
+            <a:r>
+              <a:rPr lang="de-DE" sz="2200" dirty="0" smtClean="0">
+                <a:solidFill>
+                  <a:schemeClr val="bg2">
+                    <a:lumMod val="85000"/>
+                  </a:schemeClr>
+                </a:solidFill>
+              </a:rPr>
+              <a:t> </a:t>
+            </a:r>
+            <a:r>
+              <a:rPr lang="de-DE" sz="2200" dirty="0" err="1" smtClean="0">
+                <a:solidFill>
+                  <a:schemeClr val="bg2">
+                    <a:lumMod val="85000"/>
+                  </a:schemeClr>
+                </a:solidFill>
+              </a:rPr>
+              <a:t>dandelions</a:t>
+            </a:r>
+            <a:r>
+              <a:rPr lang="de-DE" sz="2200" dirty="0" smtClean="0">
+                <a:solidFill>
+                  <a:schemeClr val="bg2">
+                    <a:lumMod val="85000"/>
+                  </a:schemeClr>
+                </a:solidFill>
+              </a:rPr>
+              <a:t> </a:t>
+            </a:r>
+            <a:r>
+              <a:rPr lang="de-DE" sz="2200" dirty="0" err="1" smtClean="0">
+                <a:solidFill>
+                  <a:schemeClr val="bg2">
+                    <a:lumMod val="85000"/>
+                  </a:schemeClr>
+                </a:solidFill>
+              </a:rPr>
+              <a:t>can</a:t>
+            </a:r>
+            <a:r>
+              <a:rPr lang="de-DE" sz="2200" dirty="0" smtClean="0">
+                <a:solidFill>
+                  <a:schemeClr val="bg2">
+                    <a:lumMod val="85000"/>
+                  </a:schemeClr>
+                </a:solidFill>
+              </a:rPr>
+              <a:t> </a:t>
+            </a:r>
+            <a:r>
+              <a:rPr lang="de-DE" sz="2200" dirty="0" err="1" smtClean="0">
+                <a:solidFill>
+                  <a:schemeClr val="bg2">
+                    <a:lumMod val="85000"/>
+                  </a:schemeClr>
+                </a:solidFill>
+              </a:rPr>
+              <a:t>look</a:t>
+            </a:r>
+            <a:r>
+              <a:rPr lang="de-DE" sz="2200" dirty="0" smtClean="0">
+                <a:solidFill>
+                  <a:schemeClr val="bg2">
+                    <a:lumMod val="85000"/>
+                  </a:schemeClr>
+                </a:solidFill>
+              </a:rPr>
+              <a:t> like </a:t>
+            </a:r>
+            <a:r>
+              <a:rPr lang="de-DE" sz="2200" dirty="0" err="1" smtClean="0">
+                <a:solidFill>
+                  <a:schemeClr val="bg2">
+                    <a:lumMod val="85000"/>
+                  </a:schemeClr>
+                </a:solidFill>
+              </a:rPr>
+              <a:t>sunflowers</a:t>
+            </a:r>
+            <a:endParaRPr lang="de-DE" sz="2200" dirty="0" smtClean="0">
+              <a:solidFill>
+                <a:schemeClr val="bg2">
+                  <a:lumMod val="85000"/>
+                </a:schemeClr>
+              </a:solidFill>
+            </a:endParaRPr>
+          </a:p>
+          <a:p>
+            <a:pPr marL="463550" lvl="1" indent="-285750">
+              <a:buFontTx/>
+              <a:buChar char="-"/>
+            </a:pPr>
+            <a:r>
+              <a:rPr lang="de-DE" sz="2200" dirty="0" err="1"/>
+              <a:t>r</a:t>
+            </a:r>
+            <a:r>
+              <a:rPr lang="de-DE" sz="2200" dirty="0" err="1" smtClean="0"/>
+              <a:t>oses</a:t>
+            </a:r>
+            <a:r>
+              <a:rPr lang="de-DE" sz="2200" dirty="0" smtClean="0"/>
+              <a:t> and </a:t>
+            </a:r>
+            <a:r>
+              <a:rPr lang="de-DE" sz="2200" dirty="0" err="1" smtClean="0"/>
+              <a:t>tulips</a:t>
+            </a:r>
+            <a:r>
+              <a:rPr lang="de-DE" sz="2200" dirty="0" smtClean="0"/>
+              <a:t> </a:t>
+            </a:r>
+            <a:r>
+              <a:rPr lang="de-DE" sz="2200" dirty="0" err="1" smtClean="0"/>
+              <a:t>are</a:t>
+            </a:r>
+            <a:r>
+              <a:rPr lang="de-DE" sz="2200" dirty="0" smtClean="0"/>
+              <a:t> </a:t>
+            </a:r>
+            <a:r>
+              <a:rPr lang="de-DE" sz="2200" dirty="0" err="1" smtClean="0"/>
+              <a:t>pretty</a:t>
+            </a:r>
+            <a:r>
+              <a:rPr lang="de-DE" sz="2200" dirty="0" smtClean="0"/>
+              <a:t> </a:t>
+            </a:r>
+            <a:r>
+              <a:rPr lang="de-DE" sz="2200" dirty="0" err="1" smtClean="0"/>
+              <a:t>similar</a:t>
+            </a:r>
+            <a:endParaRPr lang="de-DE" sz="2200" dirty="0" smtClean="0"/>
+          </a:p>
+        </p:txBody>
+      </p:sp>
+      <p:sp>
+        <p:nvSpPr>
+          <p:cNvPr id="5" name="Date Placeholder 4"/>
+          <p:cNvSpPr>
+            <a:spLocks noGrp="1"/>
+          </p:cNvSpPr>
+          <p:nvPr>
+            <p:ph type="dt" sz="half" idx="15"/>
+          </p:nvPr>
+        </p:nvSpPr>
+        <p:spPr/>
+        <p:txBody>
+          <a:bodyPr/>
+          <a:lstStyle/>
+          <a:p>
+            <a:r>
+              <a:rPr lang="de-DE" smtClean="0"/>
+              <a:t>16.07.2018</a:t>
+            </a:r>
+            <a:endParaRPr lang="de-DE" dirty="0"/>
+          </a:p>
+        </p:txBody>
+      </p:sp>
+      <p:sp>
+        <p:nvSpPr>
+          <p:cNvPr id="9" name="Footer Placeholder 8"/>
+          <p:cNvSpPr>
+            <a:spLocks noGrp="1"/>
+          </p:cNvSpPr>
+          <p:nvPr>
+            <p:ph type="ftr" sz="quarter" idx="16"/>
+          </p:nvPr>
+        </p:nvSpPr>
+        <p:spPr/>
+        <p:txBody>
+          <a:bodyPr/>
+          <a:lstStyle/>
+          <a:p>
+            <a:r>
+              <a:rPr lang="de-DE" smtClean="0"/>
+              <a:t>Chris Rebbelin s0548921</a:t>
+            </a:r>
+            <a:endParaRPr lang="de-DE" dirty="0"/>
+          </a:p>
+        </p:txBody>
+      </p:sp>
+      <p:sp>
+        <p:nvSpPr>
+          <p:cNvPr id="6" name="Slide Number Placeholder 5"/>
+          <p:cNvSpPr>
+            <a:spLocks noGrp="1"/>
+          </p:cNvSpPr>
+          <p:nvPr>
+            <p:ph type="sldNum" sz="quarter" idx="17"/>
+          </p:nvPr>
+        </p:nvSpPr>
+        <p:spPr/>
+        <p:txBody>
+          <a:bodyPr/>
+          <a:lstStyle/>
+          <a:p>
+            <a:fld id="{568A94F9-E96B-424F-A189-B27A5A923EEF}" type="slidenum">
+              <a:rPr lang="de-DE" smtClean="0"/>
+              <a:pPr/>
+              <a:t>15</a:t>
+            </a:fld>
+            <a:endParaRPr lang="de-DE" dirty="0"/>
+          </a:p>
+        </p:txBody>
+      </p:sp>
+    </p:spTree>
+    <p:extLst>
+      <p:ext uri="{BB962C8B-B14F-4D97-AF65-F5344CB8AC3E}">
+        <p14:creationId xmlns:p14="http://schemas.microsoft.com/office/powerpoint/2010/main" val="4268914722"/>
+      </p:ext>
+    </p:extLst>
+  </p:cSld>
+  <p:clrMapOvr>
+    <a:masterClrMapping/>
+  </p:clrMapOvr>
+  <p:timing>
+    <p:tnLst>
+      <p:par>
+        <p:cTn id="1" dur="indefinite" restart="never" nodeType="tmRoot"/>
+      </p:par>
+    </p:tnLst>
+  </p:timing>
+</p:sld>
+</file>
+
+<file path=ppt/slides/slide16.xml><?xml version="1.0" encoding="utf-8"?>
+<p:sld xmlns:a="http://schemas.openxmlformats.org/drawingml/2006/main" xmlns:r="http://schemas.openxmlformats.org/officeDocument/2006/relationships" xmlns:p="http://schemas.openxmlformats.org/presentationml/2006/main">
+  <p:cSld>
+    <p:spTree>
+      <p:nvGrpSpPr>
+        <p:cNvPr id="1" name=""/>
+        <p:cNvGrpSpPr/>
+        <p:nvPr/>
+      </p:nvGrpSpPr>
+      <p:grpSpPr>
+        <a:xfrm>
+          <a:off x="0" y="0"/>
+          <a:ext cx="0" cy="0"/>
+          <a:chOff x="0" y="0"/>
+          <a:chExt cx="0" cy="0"/>
+        </a:xfrm>
+      </p:grpSpPr>
+      <p:sp>
+        <p:nvSpPr>
+          <p:cNvPr id="3" name="Text Placeholder 2"/>
+          <p:cNvSpPr>
+            <a:spLocks noGrp="1"/>
+          </p:cNvSpPr>
+          <p:nvPr>
+            <p:ph type="body" sz="quarter" idx="14"/>
+          </p:nvPr>
+        </p:nvSpPr>
+        <p:spPr/>
+        <p:txBody>
+          <a:bodyPr/>
+          <a:lstStyle/>
+          <a:p>
+            <a:r>
+              <a:rPr lang="de-DE" dirty="0" err="1" smtClean="0"/>
+              <a:t>dataset</a:t>
+            </a:r>
+            <a:endParaRPr lang="de-DE" dirty="0"/>
+          </a:p>
+        </p:txBody>
+      </p:sp>
+      <p:sp>
+        <p:nvSpPr>
+          <p:cNvPr id="4" name="Text Placeholder 3"/>
+          <p:cNvSpPr>
+            <a:spLocks noGrp="1"/>
+          </p:cNvSpPr>
+          <p:nvPr>
+            <p:ph type="body" sz="quarter" idx="13"/>
+          </p:nvPr>
+        </p:nvSpPr>
+        <p:spPr/>
+        <p:txBody>
+          <a:bodyPr/>
+          <a:lstStyle/>
+          <a:p>
+            <a:pPr marL="463550" lvl="1" indent="-285750">
+              <a:buFontTx/>
+              <a:buChar char="-"/>
+            </a:pPr>
+            <a:endParaRPr lang="de-DE" sz="2200" dirty="0" smtClean="0"/>
+          </a:p>
+        </p:txBody>
+      </p:sp>
+      <p:sp>
+        <p:nvSpPr>
+          <p:cNvPr id="5" name="Date Placeholder 4"/>
+          <p:cNvSpPr>
+            <a:spLocks noGrp="1"/>
+          </p:cNvSpPr>
+          <p:nvPr>
+            <p:ph type="dt" sz="half" idx="15"/>
+          </p:nvPr>
+        </p:nvSpPr>
+        <p:spPr/>
+        <p:txBody>
+          <a:bodyPr/>
+          <a:lstStyle/>
+          <a:p>
+            <a:r>
+              <a:rPr lang="de-DE" smtClean="0"/>
+              <a:t>16.07.2018</a:t>
+            </a:r>
+            <a:endParaRPr lang="de-DE" dirty="0"/>
+          </a:p>
+        </p:txBody>
+      </p:sp>
+      <p:sp>
+        <p:nvSpPr>
+          <p:cNvPr id="9" name="Footer Placeholder 8"/>
+          <p:cNvSpPr>
+            <a:spLocks noGrp="1"/>
+          </p:cNvSpPr>
+          <p:nvPr>
+            <p:ph type="ftr" sz="quarter" idx="16"/>
+          </p:nvPr>
+        </p:nvSpPr>
+        <p:spPr/>
+        <p:txBody>
+          <a:bodyPr/>
+          <a:lstStyle/>
+          <a:p>
+            <a:r>
+              <a:rPr lang="de-DE" smtClean="0"/>
+              <a:t>Chris Rebbelin s0548921</a:t>
+            </a:r>
+            <a:endParaRPr lang="de-DE" dirty="0"/>
+          </a:p>
+        </p:txBody>
+      </p:sp>
+      <p:pic>
+        <p:nvPicPr>
+          <p:cNvPr id="8" name="Picture 7"/>
+          <p:cNvPicPr>
+            <a:picLocks noChangeAspect="1"/>
+          </p:cNvPicPr>
+          <p:nvPr/>
+        </p:nvPicPr>
+        <p:blipFill>
+          <a:blip r:embed="rId2">
+            <a:extLst>
+              <a:ext uri="{28A0092B-C50C-407E-A947-70E740481C1C}">
+                <a14:useLocalDpi xmlns:a14="http://schemas.microsoft.com/office/drawing/2010/main" val="0"/>
+              </a:ext>
+            </a:extLst>
+          </a:blip>
+          <a:stretch>
+            <a:fillRect/>
+          </a:stretch>
+        </p:blipFill>
+        <p:spPr>
+          <a:xfrm>
+            <a:off x="1630326" y="390378"/>
+            <a:ext cx="5667322" cy="4268202"/>
+          </a:xfrm>
+          <a:prstGeom prst="rect">
+            <a:avLst/>
+          </a:prstGeom>
+        </p:spPr>
+      </p:pic>
+      <p:sp>
+        <p:nvSpPr>
+          <p:cNvPr id="2" name="Slide Number Placeholder 1"/>
+          <p:cNvSpPr>
+            <a:spLocks noGrp="1"/>
+          </p:cNvSpPr>
+          <p:nvPr>
+            <p:ph type="sldNum" sz="quarter" idx="17"/>
+          </p:nvPr>
+        </p:nvSpPr>
+        <p:spPr/>
+        <p:txBody>
+          <a:bodyPr/>
+          <a:lstStyle/>
+          <a:p>
+            <a:fld id="{568A94F9-E96B-424F-A189-B27A5A923EEF}" type="slidenum">
+              <a:rPr lang="de-DE" smtClean="0"/>
+              <a:pPr/>
+              <a:t>16</a:t>
+            </a:fld>
+            <a:endParaRPr lang="de-DE" dirty="0"/>
+          </a:p>
+        </p:txBody>
+      </p:sp>
+    </p:spTree>
+    <p:extLst>
+      <p:ext uri="{BB962C8B-B14F-4D97-AF65-F5344CB8AC3E}">
+        <p14:creationId xmlns:p14="http://schemas.microsoft.com/office/powerpoint/2010/main" val="1649281737"/>
+      </p:ext>
+    </p:extLst>
+  </p:cSld>
+  <p:clrMapOvr>
+    <a:masterClrMapping/>
+  </p:clrMapOvr>
+  <p:timing>
+    <p:tnLst>
+      <p:par>
+        <p:cTn id="1" dur="indefinite" restart="never" nodeType="tmRoot"/>
+      </p:par>
+    </p:tnLst>
+  </p:timing>
+</p:sld>
+</file>
+
+<file path=ppt/slides/slide17.xml><?xml version="1.0" encoding="utf-8"?>
+<p:sld xmlns:a="http://schemas.openxmlformats.org/drawingml/2006/main" xmlns:r="http://schemas.openxmlformats.org/officeDocument/2006/relationships" xmlns:p="http://schemas.openxmlformats.org/presentationml/2006/main">
+  <p:cSld>
+    <p:spTree>
+      <p:nvGrpSpPr>
+        <p:cNvPr id="1" name=""/>
+        <p:cNvGrpSpPr/>
+        <p:nvPr/>
+      </p:nvGrpSpPr>
+      <p:grpSpPr>
+        <a:xfrm>
+          <a:off x="0" y="0"/>
+          <a:ext cx="0" cy="0"/>
+          <a:chOff x="0" y="0"/>
+          <a:chExt cx="0" cy="0"/>
+        </a:xfrm>
+      </p:grpSpPr>
+      <p:sp>
+        <p:nvSpPr>
+          <p:cNvPr id="3" name="Text Placeholder 2"/>
+          <p:cNvSpPr>
+            <a:spLocks noGrp="1"/>
+          </p:cNvSpPr>
+          <p:nvPr>
+            <p:ph type="body" sz="quarter" idx="14"/>
+          </p:nvPr>
+        </p:nvSpPr>
+        <p:spPr/>
+        <p:txBody>
+          <a:bodyPr/>
+          <a:lstStyle/>
+          <a:p>
+            <a:r>
+              <a:rPr lang="de-DE" dirty="0" err="1" smtClean="0"/>
+              <a:t>dataset</a:t>
+            </a:r>
+            <a:endParaRPr lang="de-DE" dirty="0"/>
+          </a:p>
+        </p:txBody>
+      </p:sp>
+      <p:sp>
+        <p:nvSpPr>
+          <p:cNvPr id="4" name="Text Placeholder 3"/>
+          <p:cNvSpPr>
+            <a:spLocks noGrp="1"/>
+          </p:cNvSpPr>
+          <p:nvPr>
+            <p:ph type="body" sz="quarter" idx="13"/>
+          </p:nvPr>
+        </p:nvSpPr>
+        <p:spPr/>
+        <p:txBody>
+          <a:bodyPr/>
+          <a:lstStyle/>
+          <a:p>
+            <a:pPr marL="463550" lvl="1" indent="-285750">
+              <a:buFontTx/>
+              <a:buChar char="-"/>
+            </a:pPr>
+            <a:endParaRPr lang="de-DE" sz="2200" dirty="0" smtClean="0"/>
+          </a:p>
+        </p:txBody>
+      </p:sp>
+      <p:sp>
+        <p:nvSpPr>
+          <p:cNvPr id="5" name="Date Placeholder 4"/>
+          <p:cNvSpPr>
+            <a:spLocks noGrp="1"/>
+          </p:cNvSpPr>
+          <p:nvPr>
+            <p:ph type="dt" sz="half" idx="15"/>
+          </p:nvPr>
+        </p:nvSpPr>
+        <p:spPr/>
+        <p:txBody>
+          <a:bodyPr/>
+          <a:lstStyle/>
+          <a:p>
+            <a:r>
+              <a:rPr lang="de-DE" smtClean="0"/>
+              <a:t>16.07.2018</a:t>
+            </a:r>
+            <a:endParaRPr lang="de-DE" dirty="0"/>
+          </a:p>
+        </p:txBody>
+      </p:sp>
+      <p:sp>
+        <p:nvSpPr>
+          <p:cNvPr id="9" name="Footer Placeholder 8"/>
+          <p:cNvSpPr>
+            <a:spLocks noGrp="1"/>
+          </p:cNvSpPr>
+          <p:nvPr>
+            <p:ph type="ftr" sz="quarter" idx="16"/>
+          </p:nvPr>
+        </p:nvSpPr>
+        <p:spPr/>
+        <p:txBody>
+          <a:bodyPr/>
+          <a:lstStyle/>
+          <a:p>
+            <a:r>
+              <a:rPr lang="de-DE" smtClean="0"/>
+              <a:t>Chris Rebbelin s0548921</a:t>
+            </a:r>
+            <a:endParaRPr lang="de-DE" dirty="0"/>
+          </a:p>
+        </p:txBody>
+      </p:sp>
+      <p:pic>
+        <p:nvPicPr>
+          <p:cNvPr id="8" name="Picture 7"/>
+          <p:cNvPicPr>
+            <a:picLocks noChangeAspect="1"/>
+          </p:cNvPicPr>
+          <p:nvPr/>
+        </p:nvPicPr>
+        <p:blipFill>
+          <a:blip r:embed="rId2">
+            <a:extLst>
+              <a:ext uri="{28A0092B-C50C-407E-A947-70E740481C1C}">
+                <a14:useLocalDpi xmlns:a14="http://schemas.microsoft.com/office/drawing/2010/main" val="0"/>
+              </a:ext>
+            </a:extLst>
+          </a:blip>
+          <a:stretch>
+            <a:fillRect/>
+          </a:stretch>
+        </p:blipFill>
+        <p:spPr>
+          <a:xfrm>
+            <a:off x="1259632" y="391580"/>
+            <a:ext cx="6408711" cy="4265798"/>
+          </a:xfrm>
+          <a:prstGeom prst="rect">
+            <a:avLst/>
+          </a:prstGeom>
+        </p:spPr>
+      </p:pic>
+      <p:sp>
+        <p:nvSpPr>
+          <p:cNvPr id="2" name="Slide Number Placeholder 1"/>
+          <p:cNvSpPr>
+            <a:spLocks noGrp="1"/>
+          </p:cNvSpPr>
+          <p:nvPr>
+            <p:ph type="sldNum" sz="quarter" idx="17"/>
+          </p:nvPr>
+        </p:nvSpPr>
+        <p:spPr/>
+        <p:txBody>
+          <a:bodyPr/>
+          <a:lstStyle/>
+          <a:p>
+            <a:fld id="{568A94F9-E96B-424F-A189-B27A5A923EEF}" type="slidenum">
+              <a:rPr lang="de-DE" smtClean="0"/>
+              <a:pPr/>
+              <a:t>17</a:t>
+            </a:fld>
+            <a:endParaRPr lang="de-DE" dirty="0"/>
+          </a:p>
+        </p:txBody>
+      </p:sp>
+    </p:spTree>
+    <p:extLst>
+      <p:ext uri="{BB962C8B-B14F-4D97-AF65-F5344CB8AC3E}">
+        <p14:creationId xmlns:p14="http://schemas.microsoft.com/office/powerpoint/2010/main" val="20782862"/>
+      </p:ext>
+    </p:extLst>
+  </p:cSld>
+  <p:clrMapOvr>
+    <a:masterClrMapping/>
+  </p:clrMapOvr>
+  <p:timing>
+    <p:tnLst>
+      <p:par>
+        <p:cTn id="1" dur="indefinite" restart="never" nodeType="tmRoot"/>
+      </p:par>
+    </p:tnLst>
+  </p:timing>
+</p:sld>
+</file>
+
+<file path=ppt/slides/slide18.xml><?xml version="1.0" encoding="utf-8"?>
+<p:sld xmlns:a="http://schemas.openxmlformats.org/drawingml/2006/main" xmlns:r="http://schemas.openxmlformats.org/officeDocument/2006/relationships" xmlns:p="http://schemas.openxmlformats.org/presentationml/2006/main">
+  <p:cSld>
+    <p:spTree>
+      <p:nvGrpSpPr>
+        <p:cNvPr id="1" name=""/>
+        <p:cNvGrpSpPr/>
+        <p:nvPr/>
+      </p:nvGrpSpPr>
+      <p:grpSpPr>
+        <a:xfrm>
+          <a:off x="0" y="0"/>
+          <a:ext cx="0" cy="0"/>
+          <a:chOff x="0" y="0"/>
+          <a:chExt cx="0" cy="0"/>
+        </a:xfrm>
+      </p:grpSpPr>
+      <p:sp>
+        <p:nvSpPr>
+          <p:cNvPr id="2" name="Title 1"/>
+          <p:cNvSpPr>
+            <a:spLocks noGrp="1"/>
+          </p:cNvSpPr>
+          <p:nvPr>
+            <p:ph type="title"/>
+          </p:nvPr>
+        </p:nvSpPr>
+        <p:spPr/>
+        <p:txBody>
+          <a:bodyPr/>
+          <a:lstStyle/>
+          <a:p>
+            <a:r>
+              <a:rPr lang="de-DE" sz="3200" dirty="0" err="1"/>
+              <a:t>p</a:t>
+            </a:r>
+            <a:r>
+              <a:rPr lang="de-DE" sz="3200" dirty="0" err="1" smtClean="0"/>
+              <a:t>roblems</a:t>
+            </a:r>
+            <a:r>
+              <a:rPr lang="de-DE" sz="3200" dirty="0" smtClean="0"/>
+              <a:t>?</a:t>
+            </a:r>
+            <a:endParaRPr lang="de-DE" sz="3200" dirty="0"/>
+          </a:p>
+        </p:txBody>
+      </p:sp>
+      <p:sp>
+        <p:nvSpPr>
+          <p:cNvPr id="3" name="Text Placeholder 2"/>
+          <p:cNvSpPr>
+            <a:spLocks noGrp="1"/>
+          </p:cNvSpPr>
+          <p:nvPr>
+            <p:ph type="body" sz="quarter" idx="14"/>
+          </p:nvPr>
+        </p:nvSpPr>
+        <p:spPr/>
+        <p:txBody>
+          <a:bodyPr/>
+          <a:lstStyle/>
+          <a:p>
+            <a:r>
+              <a:rPr lang="de-DE" dirty="0" err="1" smtClean="0"/>
+              <a:t>dataset</a:t>
+            </a:r>
+            <a:endParaRPr lang="de-DE" dirty="0"/>
+          </a:p>
+        </p:txBody>
+      </p:sp>
+      <p:sp>
+        <p:nvSpPr>
+          <p:cNvPr id="4" name="Text Placeholder 3"/>
+          <p:cNvSpPr>
+            <a:spLocks noGrp="1"/>
+          </p:cNvSpPr>
+          <p:nvPr>
+            <p:ph type="body" sz="quarter" idx="13"/>
+          </p:nvPr>
+        </p:nvSpPr>
+        <p:spPr/>
+        <p:txBody>
+          <a:bodyPr/>
+          <a:lstStyle/>
+          <a:p>
+            <a:pPr marL="463550" lvl="1" indent="-285750">
+              <a:buFontTx/>
+              <a:buChar char="-"/>
+            </a:pPr>
+            <a:r>
+              <a:rPr lang="de-DE" sz="2200" dirty="0" err="1">
+                <a:solidFill>
+                  <a:schemeClr val="bg2">
+                    <a:lumMod val="85000"/>
+                  </a:schemeClr>
+                </a:solidFill>
+              </a:rPr>
+              <a:t>d</a:t>
+            </a:r>
+            <a:r>
+              <a:rPr lang="de-DE" sz="2200" dirty="0" err="1" smtClean="0">
+                <a:solidFill>
+                  <a:schemeClr val="bg2">
+                    <a:lumMod val="85000"/>
+                  </a:schemeClr>
+                </a:solidFill>
+              </a:rPr>
+              <a:t>andelions</a:t>
+            </a:r>
+            <a:r>
+              <a:rPr lang="de-DE" sz="2200" dirty="0" smtClean="0">
+                <a:solidFill>
+                  <a:schemeClr val="bg2">
+                    <a:lumMod val="85000"/>
+                  </a:schemeClr>
+                </a:solidFill>
+              </a:rPr>
+              <a:t> </a:t>
+            </a:r>
+            <a:r>
+              <a:rPr lang="de-DE" sz="2200" dirty="0" err="1" smtClean="0">
+                <a:solidFill>
+                  <a:schemeClr val="bg2">
+                    <a:lumMod val="85000"/>
+                  </a:schemeClr>
+                </a:solidFill>
+              </a:rPr>
+              <a:t>can</a:t>
+            </a:r>
+            <a:r>
+              <a:rPr lang="de-DE" sz="2200" dirty="0" smtClean="0">
+                <a:solidFill>
+                  <a:schemeClr val="bg2">
+                    <a:lumMod val="85000"/>
+                  </a:schemeClr>
+                </a:solidFill>
+              </a:rPr>
+              <a:t> </a:t>
+            </a:r>
+            <a:r>
+              <a:rPr lang="de-DE" sz="2200" dirty="0" err="1" smtClean="0">
+                <a:solidFill>
+                  <a:schemeClr val="bg2">
+                    <a:lumMod val="85000"/>
+                  </a:schemeClr>
+                </a:solidFill>
+              </a:rPr>
+              <a:t>have</a:t>
+            </a:r>
+            <a:r>
+              <a:rPr lang="de-DE" sz="2200" dirty="0" smtClean="0">
+                <a:solidFill>
+                  <a:schemeClr val="bg2">
+                    <a:lumMod val="85000"/>
+                  </a:schemeClr>
+                </a:solidFill>
+              </a:rPr>
+              <a:t> </a:t>
+            </a:r>
+            <a:r>
+              <a:rPr lang="de-DE" sz="2200" dirty="0" err="1" smtClean="0">
+                <a:solidFill>
+                  <a:schemeClr val="bg2">
+                    <a:lumMod val="85000"/>
+                  </a:schemeClr>
+                </a:solidFill>
+              </a:rPr>
+              <a:t>two</a:t>
+            </a:r>
+            <a:r>
+              <a:rPr lang="de-DE" sz="2200" dirty="0" smtClean="0">
+                <a:solidFill>
+                  <a:schemeClr val="bg2">
+                    <a:lumMod val="85000"/>
+                  </a:schemeClr>
+                </a:solidFill>
+              </a:rPr>
+              <a:t> different „</a:t>
+            </a:r>
+            <a:r>
+              <a:rPr lang="de-DE" sz="2200" dirty="0" err="1" smtClean="0">
+                <a:solidFill>
+                  <a:schemeClr val="bg2">
+                    <a:lumMod val="85000"/>
+                  </a:schemeClr>
+                </a:solidFill>
+              </a:rPr>
+              <a:t>looks</a:t>
+            </a:r>
+            <a:r>
+              <a:rPr lang="de-DE" sz="2200" dirty="0" smtClean="0">
+                <a:solidFill>
+                  <a:schemeClr val="bg2">
+                    <a:lumMod val="85000"/>
+                  </a:schemeClr>
+                </a:solidFill>
+              </a:rPr>
+              <a:t>“</a:t>
+            </a:r>
+          </a:p>
+          <a:p>
+            <a:pPr marL="463550" lvl="1" indent="-285750">
+              <a:buFontTx/>
+              <a:buChar char="-"/>
+            </a:pPr>
+            <a:r>
+              <a:rPr lang="de-DE" sz="2200" dirty="0" err="1">
+                <a:solidFill>
+                  <a:schemeClr val="bg2">
+                    <a:lumMod val="85000"/>
+                  </a:schemeClr>
+                </a:solidFill>
+              </a:rPr>
+              <a:t>y</a:t>
+            </a:r>
+            <a:r>
+              <a:rPr lang="de-DE" sz="2200" dirty="0" err="1" smtClean="0">
+                <a:solidFill>
+                  <a:schemeClr val="bg2">
+                    <a:lumMod val="85000"/>
+                  </a:schemeClr>
+                </a:solidFill>
+              </a:rPr>
+              <a:t>ellow</a:t>
+            </a:r>
+            <a:r>
+              <a:rPr lang="de-DE" sz="2200" dirty="0" smtClean="0">
+                <a:solidFill>
+                  <a:schemeClr val="bg2">
+                    <a:lumMod val="85000"/>
+                  </a:schemeClr>
+                </a:solidFill>
+              </a:rPr>
+              <a:t> </a:t>
+            </a:r>
+            <a:r>
+              <a:rPr lang="de-DE" sz="2200" dirty="0" err="1" smtClean="0">
+                <a:solidFill>
+                  <a:schemeClr val="bg2">
+                    <a:lumMod val="85000"/>
+                  </a:schemeClr>
+                </a:solidFill>
+              </a:rPr>
+              <a:t>dandelions</a:t>
+            </a:r>
+            <a:r>
+              <a:rPr lang="de-DE" sz="2200" dirty="0" smtClean="0">
+                <a:solidFill>
+                  <a:schemeClr val="bg2">
+                    <a:lumMod val="85000"/>
+                  </a:schemeClr>
+                </a:solidFill>
+              </a:rPr>
+              <a:t> </a:t>
+            </a:r>
+            <a:r>
+              <a:rPr lang="de-DE" sz="2200" dirty="0" err="1" smtClean="0">
+                <a:solidFill>
+                  <a:schemeClr val="bg2">
+                    <a:lumMod val="85000"/>
+                  </a:schemeClr>
+                </a:solidFill>
+              </a:rPr>
+              <a:t>can</a:t>
+            </a:r>
+            <a:r>
+              <a:rPr lang="de-DE" sz="2200" dirty="0" smtClean="0">
+                <a:solidFill>
+                  <a:schemeClr val="bg2">
+                    <a:lumMod val="85000"/>
+                  </a:schemeClr>
+                </a:solidFill>
+              </a:rPr>
+              <a:t> </a:t>
+            </a:r>
+            <a:r>
+              <a:rPr lang="de-DE" sz="2200" dirty="0" err="1" smtClean="0">
+                <a:solidFill>
+                  <a:schemeClr val="bg2">
+                    <a:lumMod val="85000"/>
+                  </a:schemeClr>
+                </a:solidFill>
+              </a:rPr>
+              <a:t>look</a:t>
+            </a:r>
+            <a:r>
+              <a:rPr lang="de-DE" sz="2200" dirty="0" smtClean="0">
+                <a:solidFill>
+                  <a:schemeClr val="bg2">
+                    <a:lumMod val="85000"/>
+                  </a:schemeClr>
+                </a:solidFill>
+              </a:rPr>
+              <a:t> like </a:t>
+            </a:r>
+            <a:r>
+              <a:rPr lang="de-DE" sz="2200" dirty="0" err="1" smtClean="0">
+                <a:solidFill>
+                  <a:schemeClr val="bg2">
+                    <a:lumMod val="85000"/>
+                  </a:schemeClr>
+                </a:solidFill>
+              </a:rPr>
+              <a:t>sunflowers</a:t>
+            </a:r>
+            <a:endParaRPr lang="de-DE" sz="2200" dirty="0" smtClean="0">
+              <a:solidFill>
+                <a:schemeClr val="bg2">
+                  <a:lumMod val="85000"/>
+                </a:schemeClr>
+              </a:solidFill>
+            </a:endParaRPr>
+          </a:p>
+          <a:p>
+            <a:pPr marL="463550" lvl="1" indent="-285750">
+              <a:buFontTx/>
+              <a:buChar char="-"/>
+            </a:pPr>
+            <a:r>
+              <a:rPr lang="de-DE" sz="2200" dirty="0" err="1">
+                <a:solidFill>
+                  <a:schemeClr val="bg2">
+                    <a:lumMod val="85000"/>
+                  </a:schemeClr>
+                </a:solidFill>
+              </a:rPr>
+              <a:t>r</a:t>
+            </a:r>
+            <a:r>
+              <a:rPr lang="de-DE" sz="2200" dirty="0" err="1" smtClean="0">
+                <a:solidFill>
+                  <a:schemeClr val="bg2">
+                    <a:lumMod val="85000"/>
+                  </a:schemeClr>
+                </a:solidFill>
+              </a:rPr>
+              <a:t>oses</a:t>
+            </a:r>
+            <a:r>
+              <a:rPr lang="de-DE" sz="2200" dirty="0" smtClean="0">
+                <a:solidFill>
+                  <a:schemeClr val="bg2">
+                    <a:lumMod val="85000"/>
+                  </a:schemeClr>
+                </a:solidFill>
+              </a:rPr>
+              <a:t> and </a:t>
+            </a:r>
+            <a:r>
+              <a:rPr lang="de-DE" sz="2200" dirty="0" err="1" smtClean="0">
+                <a:solidFill>
+                  <a:schemeClr val="bg2">
+                    <a:lumMod val="85000"/>
+                  </a:schemeClr>
+                </a:solidFill>
+              </a:rPr>
+              <a:t>tulips</a:t>
+            </a:r>
+            <a:r>
+              <a:rPr lang="de-DE" sz="2200" dirty="0" smtClean="0">
+                <a:solidFill>
+                  <a:schemeClr val="bg2">
+                    <a:lumMod val="85000"/>
+                  </a:schemeClr>
+                </a:solidFill>
+              </a:rPr>
+              <a:t> </a:t>
+            </a:r>
+            <a:r>
+              <a:rPr lang="de-DE" sz="2200" dirty="0" err="1" smtClean="0">
+                <a:solidFill>
+                  <a:schemeClr val="bg2">
+                    <a:lumMod val="85000"/>
+                  </a:schemeClr>
+                </a:solidFill>
+              </a:rPr>
+              <a:t>are</a:t>
+            </a:r>
+            <a:r>
+              <a:rPr lang="de-DE" sz="2200" dirty="0" smtClean="0">
+                <a:solidFill>
+                  <a:schemeClr val="bg2">
+                    <a:lumMod val="85000"/>
+                  </a:schemeClr>
+                </a:solidFill>
+              </a:rPr>
+              <a:t> </a:t>
+            </a:r>
+            <a:r>
+              <a:rPr lang="de-DE" sz="2200" dirty="0" err="1" smtClean="0">
+                <a:solidFill>
+                  <a:schemeClr val="bg2">
+                    <a:lumMod val="85000"/>
+                  </a:schemeClr>
+                </a:solidFill>
+              </a:rPr>
+              <a:t>pretty</a:t>
+            </a:r>
+            <a:r>
+              <a:rPr lang="de-DE" sz="2200" dirty="0" smtClean="0">
+                <a:solidFill>
+                  <a:schemeClr val="bg2">
+                    <a:lumMod val="85000"/>
+                  </a:schemeClr>
+                </a:solidFill>
+              </a:rPr>
+              <a:t> </a:t>
+            </a:r>
+            <a:r>
+              <a:rPr lang="de-DE" sz="2200" dirty="0" err="1" smtClean="0">
+                <a:solidFill>
+                  <a:schemeClr val="bg2">
+                    <a:lumMod val="85000"/>
+                  </a:schemeClr>
+                </a:solidFill>
+              </a:rPr>
+              <a:t>similar</a:t>
+            </a:r>
+            <a:endParaRPr lang="de-DE" sz="2200" dirty="0" smtClean="0">
+              <a:solidFill>
+                <a:schemeClr val="bg2">
+                  <a:lumMod val="85000"/>
+                </a:schemeClr>
+              </a:solidFill>
+            </a:endParaRPr>
+          </a:p>
+          <a:p>
+            <a:pPr marL="463550" lvl="1" indent="-285750">
+              <a:buFontTx/>
+              <a:buChar char="-"/>
+            </a:pPr>
+            <a:r>
+              <a:rPr lang="de-DE" sz="2200" dirty="0" err="1"/>
+              <a:t>w</a:t>
+            </a:r>
+            <a:r>
+              <a:rPr lang="de-DE" sz="2200" dirty="0" err="1" smtClean="0"/>
+              <a:t>eird</a:t>
+            </a:r>
+            <a:r>
+              <a:rPr lang="de-DE" sz="2200" dirty="0" smtClean="0"/>
+              <a:t> </a:t>
+            </a:r>
+            <a:r>
+              <a:rPr lang="de-DE" sz="2200" dirty="0" err="1" smtClean="0"/>
+              <a:t>outliers</a:t>
+            </a:r>
+            <a:endParaRPr lang="de-DE" sz="2200" dirty="0" smtClean="0"/>
+          </a:p>
+        </p:txBody>
+      </p:sp>
+      <p:sp>
+        <p:nvSpPr>
+          <p:cNvPr id="5" name="Date Placeholder 4"/>
+          <p:cNvSpPr>
+            <a:spLocks noGrp="1"/>
+          </p:cNvSpPr>
+          <p:nvPr>
+            <p:ph type="dt" sz="half" idx="15"/>
+          </p:nvPr>
+        </p:nvSpPr>
+        <p:spPr/>
+        <p:txBody>
+          <a:bodyPr/>
+          <a:lstStyle/>
+          <a:p>
+            <a:r>
+              <a:rPr lang="de-DE" smtClean="0"/>
+              <a:t>16.07.2018</a:t>
+            </a:r>
+            <a:endParaRPr lang="de-DE" dirty="0"/>
+          </a:p>
+        </p:txBody>
+      </p:sp>
+      <p:sp>
+        <p:nvSpPr>
+          <p:cNvPr id="9" name="Footer Placeholder 8"/>
+          <p:cNvSpPr>
+            <a:spLocks noGrp="1"/>
+          </p:cNvSpPr>
+          <p:nvPr>
+            <p:ph type="ftr" sz="quarter" idx="16"/>
+          </p:nvPr>
+        </p:nvSpPr>
+        <p:spPr/>
+        <p:txBody>
+          <a:bodyPr/>
+          <a:lstStyle/>
+          <a:p>
+            <a:r>
+              <a:rPr lang="de-DE" smtClean="0"/>
+              <a:t>Chris Rebbelin s0548921</a:t>
+            </a:r>
+            <a:endParaRPr lang="de-DE" dirty="0"/>
+          </a:p>
+        </p:txBody>
+      </p:sp>
+      <p:sp>
+        <p:nvSpPr>
+          <p:cNvPr id="6" name="Slide Number Placeholder 5"/>
+          <p:cNvSpPr>
+            <a:spLocks noGrp="1"/>
+          </p:cNvSpPr>
+          <p:nvPr>
+            <p:ph type="sldNum" sz="quarter" idx="17"/>
+          </p:nvPr>
+        </p:nvSpPr>
+        <p:spPr/>
+        <p:txBody>
+          <a:bodyPr/>
+          <a:lstStyle/>
+          <a:p>
+            <a:fld id="{568A94F9-E96B-424F-A189-B27A5A923EEF}" type="slidenum">
+              <a:rPr lang="de-DE" smtClean="0"/>
+              <a:pPr/>
+              <a:t>18</a:t>
+            </a:fld>
+            <a:endParaRPr lang="de-DE" dirty="0"/>
+          </a:p>
+        </p:txBody>
+      </p:sp>
+    </p:spTree>
+    <p:extLst>
+      <p:ext uri="{BB962C8B-B14F-4D97-AF65-F5344CB8AC3E}">
+        <p14:creationId xmlns:p14="http://schemas.microsoft.com/office/powerpoint/2010/main" val="4025752825"/>
+      </p:ext>
+    </p:extLst>
+  </p:cSld>
+  <p:clrMapOvr>
+    <a:masterClrMapping/>
+  </p:clrMapOvr>
+  <p:timing>
+    <p:tnLst>
+      <p:par>
+        <p:cTn id="1" dur="indefinite" restart="never" nodeType="tmRoot"/>
+      </p:par>
+    </p:tnLst>
+  </p:timing>
+</p:sld>
+</file>
+
+<file path=ppt/slides/slide19.xml><?xml version="1.0" encoding="utf-8"?>
+<p:sld xmlns:a="http://schemas.openxmlformats.org/drawingml/2006/main" xmlns:r="http://schemas.openxmlformats.org/officeDocument/2006/relationships" xmlns:p="http://schemas.openxmlformats.org/presentationml/2006/main">
+  <p:cSld>
+    <p:spTree>
+      <p:nvGrpSpPr>
+        <p:cNvPr id="1" name=""/>
+        <p:cNvGrpSpPr/>
+        <p:nvPr/>
+      </p:nvGrpSpPr>
+      <p:grpSpPr>
+        <a:xfrm>
+          <a:off x="0" y="0"/>
+          <a:ext cx="0" cy="0"/>
+          <a:chOff x="0" y="0"/>
+          <a:chExt cx="0" cy="0"/>
+        </a:xfrm>
+      </p:grpSpPr>
+      <p:sp>
+        <p:nvSpPr>
+          <p:cNvPr id="3" name="Text Placeholder 2"/>
+          <p:cNvSpPr>
+            <a:spLocks noGrp="1"/>
+          </p:cNvSpPr>
+          <p:nvPr>
+            <p:ph type="body" sz="quarter" idx="14"/>
+          </p:nvPr>
+        </p:nvSpPr>
+        <p:spPr/>
+        <p:txBody>
+          <a:bodyPr/>
+          <a:lstStyle/>
+          <a:p>
+            <a:r>
+              <a:rPr lang="de-DE" dirty="0" err="1" smtClean="0"/>
+              <a:t>dataset</a:t>
+            </a:r>
+            <a:endParaRPr lang="de-DE" dirty="0"/>
+          </a:p>
+        </p:txBody>
+      </p:sp>
+      <p:sp>
+        <p:nvSpPr>
+          <p:cNvPr id="4" name="Text Placeholder 3"/>
+          <p:cNvSpPr>
+            <a:spLocks noGrp="1"/>
+          </p:cNvSpPr>
+          <p:nvPr>
+            <p:ph type="body" sz="quarter" idx="13"/>
+          </p:nvPr>
+        </p:nvSpPr>
+        <p:spPr/>
+        <p:txBody>
+          <a:bodyPr/>
+          <a:lstStyle/>
+          <a:p>
+            <a:pPr marL="463550" lvl="1" indent="-285750">
+              <a:buFontTx/>
+              <a:buChar char="-"/>
+            </a:pPr>
+            <a:endParaRPr lang="de-DE" sz="2200" dirty="0" smtClean="0"/>
+          </a:p>
+        </p:txBody>
+      </p:sp>
+      <p:sp>
+        <p:nvSpPr>
+          <p:cNvPr id="5" name="Date Placeholder 4"/>
+          <p:cNvSpPr>
+            <a:spLocks noGrp="1"/>
+          </p:cNvSpPr>
+          <p:nvPr>
+            <p:ph type="dt" sz="half" idx="15"/>
+          </p:nvPr>
+        </p:nvSpPr>
+        <p:spPr/>
+        <p:txBody>
+          <a:bodyPr/>
+          <a:lstStyle/>
+          <a:p>
+            <a:r>
+              <a:rPr lang="de-DE" smtClean="0"/>
+              <a:t>16.07.2018</a:t>
+            </a:r>
+            <a:endParaRPr lang="de-DE" dirty="0"/>
+          </a:p>
+        </p:txBody>
+      </p:sp>
+      <p:sp>
+        <p:nvSpPr>
+          <p:cNvPr id="9" name="Footer Placeholder 8"/>
+          <p:cNvSpPr>
+            <a:spLocks noGrp="1"/>
+          </p:cNvSpPr>
+          <p:nvPr>
+            <p:ph type="ftr" sz="quarter" idx="16"/>
+          </p:nvPr>
+        </p:nvSpPr>
+        <p:spPr/>
+        <p:txBody>
+          <a:bodyPr/>
+          <a:lstStyle/>
+          <a:p>
+            <a:r>
+              <a:rPr lang="de-DE" smtClean="0"/>
+              <a:t>Chris Rebbelin s0548921</a:t>
+            </a:r>
+            <a:endParaRPr lang="de-DE" dirty="0"/>
+          </a:p>
+        </p:txBody>
+      </p:sp>
+      <p:pic>
+        <p:nvPicPr>
+          <p:cNvPr id="8" name="Picture 7"/>
+          <p:cNvPicPr>
+            <a:picLocks noChangeAspect="1"/>
+          </p:cNvPicPr>
+          <p:nvPr/>
+        </p:nvPicPr>
+        <p:blipFill>
+          <a:blip r:embed="rId2">
+            <a:extLst>
+              <a:ext uri="{28A0092B-C50C-407E-A947-70E740481C1C}">
+                <a14:useLocalDpi xmlns:a14="http://schemas.microsoft.com/office/drawing/2010/main" val="0"/>
+              </a:ext>
+            </a:extLst>
+          </a:blip>
+          <a:stretch>
+            <a:fillRect/>
+          </a:stretch>
+        </p:blipFill>
+        <p:spPr>
+          <a:xfrm>
+            <a:off x="1837401" y="390378"/>
+            <a:ext cx="5253171" cy="4268202"/>
+          </a:xfrm>
+          <a:prstGeom prst="rect">
+            <a:avLst/>
+          </a:prstGeom>
+        </p:spPr>
+      </p:pic>
+      <p:sp>
+        <p:nvSpPr>
+          <p:cNvPr id="2" name="Slide Number Placeholder 1"/>
+          <p:cNvSpPr>
+            <a:spLocks noGrp="1"/>
+          </p:cNvSpPr>
+          <p:nvPr>
+            <p:ph type="sldNum" sz="quarter" idx="17"/>
+          </p:nvPr>
+        </p:nvSpPr>
+        <p:spPr/>
+        <p:txBody>
+          <a:bodyPr/>
+          <a:lstStyle/>
+          <a:p>
+            <a:fld id="{568A94F9-E96B-424F-A189-B27A5A923EEF}" type="slidenum">
+              <a:rPr lang="de-DE" smtClean="0"/>
+              <a:pPr/>
+              <a:t>19</a:t>
+            </a:fld>
+            <a:endParaRPr lang="de-DE" dirty="0"/>
+          </a:p>
+        </p:txBody>
+      </p:sp>
+    </p:spTree>
+    <p:extLst>
+      <p:ext uri="{BB962C8B-B14F-4D97-AF65-F5344CB8AC3E}">
+        <p14:creationId xmlns:p14="http://schemas.microsoft.com/office/powerpoint/2010/main" val="2959179817"/>
+      </p:ext>
+    </p:extLst>
+  </p:cSld>
+  <p:clrMapOvr>
+    <a:masterClrMapping/>
+  </p:clrMapOvr>
+  <p:timing>
+    <p:tnLst>
+      <p:par>
+        <p:cTn id="1" dur="indefinite" restart="never" nodeType="tmRoot"/>
+      </p:par>
+    </p:tnLst>
+  </p:timing>
+</p:sld>
+</file>
+
+<file path=ppt/slides/slide2.xml><?xml version="1.0" encoding="utf-8"?>
+<p:sld xmlns:a="http://schemas.openxmlformats.org/drawingml/2006/main" xmlns:r="http://schemas.openxmlformats.org/officeDocument/2006/relationships" xmlns:p="http://schemas.openxmlformats.org/presentationml/2006/main">
+  <p:cSld>
+    <p:spTree>
+      <p:nvGrpSpPr>
+        <p:cNvPr id="1" name=""/>
+        <p:cNvGrpSpPr/>
+        <p:nvPr/>
+      </p:nvGrpSpPr>
+      <p:grpSpPr>
+        <a:xfrm>
+          <a:off x="0" y="0"/>
+          <a:ext cx="0" cy="0"/>
+          <a:chOff x="0" y="0"/>
+          <a:chExt cx="0" cy="0"/>
+        </a:xfrm>
+      </p:grpSpPr>
+      <p:sp>
+        <p:nvSpPr>
+          <p:cNvPr id="2" name="Title 1"/>
+          <p:cNvSpPr>
+            <a:spLocks noGrp="1"/>
+          </p:cNvSpPr>
+          <p:nvPr>
+            <p:ph type="title"/>
+          </p:nvPr>
+        </p:nvSpPr>
+        <p:spPr/>
+        <p:txBody>
+          <a:bodyPr/>
+          <a:lstStyle/>
+          <a:p>
+            <a:r>
+              <a:rPr lang="de-DE" sz="3200" dirty="0" err="1" smtClean="0"/>
+              <a:t>dataset</a:t>
+            </a:r>
+            <a:endParaRPr lang="de-DE" sz="3200" dirty="0"/>
+          </a:p>
+        </p:txBody>
+      </p:sp>
+      <p:sp>
+        <p:nvSpPr>
+          <p:cNvPr id="3" name="Text Placeholder 2"/>
+          <p:cNvSpPr>
+            <a:spLocks noGrp="1"/>
+          </p:cNvSpPr>
+          <p:nvPr>
+            <p:ph type="body" sz="quarter" idx="14"/>
+          </p:nvPr>
+        </p:nvSpPr>
+        <p:spPr/>
+        <p:txBody>
+          <a:bodyPr/>
+          <a:lstStyle/>
+          <a:p>
+            <a:r>
+              <a:rPr lang="de-DE" dirty="0" err="1" smtClean="0"/>
+              <a:t>dataset</a:t>
+            </a:r>
+            <a:endParaRPr lang="de-DE" dirty="0"/>
+          </a:p>
+        </p:txBody>
+      </p:sp>
+      <p:sp>
+        <p:nvSpPr>
+          <p:cNvPr id="4" name="Text Placeholder 3"/>
+          <p:cNvSpPr>
+            <a:spLocks noGrp="1"/>
+          </p:cNvSpPr>
+          <p:nvPr>
+            <p:ph type="body" sz="quarter" idx="13"/>
+          </p:nvPr>
+        </p:nvSpPr>
+        <p:spPr/>
+        <p:txBody>
+          <a:bodyPr/>
+          <a:lstStyle/>
+          <a:p>
+            <a:pPr marL="463550" lvl="1" indent="-285750">
+              <a:buFontTx/>
+              <a:buChar char="-"/>
+            </a:pPr>
+            <a:r>
+              <a:rPr lang="de-DE" sz="2200" dirty="0" smtClean="0"/>
+              <a:t>„</a:t>
+            </a:r>
+            <a:r>
+              <a:rPr lang="de-DE" sz="2200" dirty="0" err="1" smtClean="0"/>
+              <a:t>Flowers</a:t>
+            </a:r>
+            <a:r>
+              <a:rPr lang="de-DE" sz="2200" dirty="0" smtClean="0"/>
+              <a:t> Recognition“ </a:t>
+            </a:r>
+            <a:r>
+              <a:rPr lang="de-DE" sz="2200" dirty="0" err="1" smtClean="0"/>
+              <a:t>from</a:t>
+            </a:r>
+            <a:r>
+              <a:rPr lang="de-DE" sz="2200" dirty="0" smtClean="0"/>
+              <a:t> kaggle.com</a:t>
+            </a:r>
+          </a:p>
+          <a:p>
+            <a:pPr marL="463550" lvl="1" indent="-285750">
+              <a:buFontTx/>
+              <a:buChar char="-"/>
+            </a:pPr>
+            <a:r>
+              <a:rPr lang="de-DE" sz="2200" dirty="0" smtClean="0"/>
+              <a:t>4323 </a:t>
+            </a:r>
+            <a:r>
+              <a:rPr lang="de-DE" sz="2200" dirty="0" err="1" smtClean="0"/>
+              <a:t>images</a:t>
+            </a:r>
+            <a:r>
+              <a:rPr lang="de-DE" sz="2200" dirty="0" smtClean="0"/>
+              <a:t> of </a:t>
+            </a:r>
+            <a:r>
+              <a:rPr lang="de-DE" sz="2200" dirty="0" err="1" smtClean="0"/>
+              <a:t>flowers</a:t>
+            </a:r>
+            <a:endParaRPr lang="de-DE" sz="2200" dirty="0" smtClean="0"/>
+          </a:p>
+          <a:p>
+            <a:pPr marL="463550" lvl="1" indent="-285750">
+              <a:buFontTx/>
+              <a:buChar char="-"/>
+            </a:pPr>
+            <a:r>
+              <a:rPr lang="de-DE" sz="2200" dirty="0" smtClean="0"/>
+              <a:t>5 </a:t>
+            </a:r>
+            <a:r>
+              <a:rPr lang="de-DE" sz="2200" dirty="0" err="1" smtClean="0"/>
+              <a:t>classes</a:t>
+            </a:r>
+            <a:endParaRPr lang="de-DE" sz="2200" dirty="0" smtClean="0"/>
+          </a:p>
+          <a:p>
+            <a:pPr marL="463550" lvl="1" indent="-285750">
+              <a:buFontTx/>
+              <a:buChar char="-"/>
+            </a:pPr>
+            <a:r>
+              <a:rPr lang="de-DE" sz="2200" dirty="0" err="1"/>
+              <a:t>f</a:t>
+            </a:r>
+            <a:r>
+              <a:rPr lang="de-DE" sz="2200" dirty="0" err="1" smtClean="0"/>
+              <a:t>rom</a:t>
+            </a:r>
+            <a:r>
+              <a:rPr lang="de-DE" sz="2200" dirty="0" smtClean="0"/>
+              <a:t> all </a:t>
+            </a:r>
+            <a:r>
+              <a:rPr lang="de-DE" sz="2200" dirty="0" err="1" smtClean="0"/>
+              <a:t>over</a:t>
+            </a:r>
+            <a:r>
+              <a:rPr lang="de-DE" sz="2200" dirty="0" smtClean="0"/>
+              <a:t> </a:t>
+            </a:r>
+            <a:r>
+              <a:rPr lang="de-DE" sz="2200" dirty="0" err="1" smtClean="0"/>
+              <a:t>the</a:t>
+            </a:r>
+            <a:r>
+              <a:rPr lang="de-DE" sz="2200" dirty="0" smtClean="0"/>
+              <a:t> web</a:t>
+            </a:r>
+          </a:p>
+        </p:txBody>
+      </p:sp>
+      <p:sp>
+        <p:nvSpPr>
+          <p:cNvPr id="5" name="Date Placeholder 4"/>
+          <p:cNvSpPr>
+            <a:spLocks noGrp="1"/>
+          </p:cNvSpPr>
+          <p:nvPr>
+            <p:ph type="dt" sz="half" idx="15"/>
+          </p:nvPr>
+        </p:nvSpPr>
+        <p:spPr/>
+        <p:txBody>
+          <a:bodyPr/>
+          <a:lstStyle/>
+          <a:p>
+            <a:r>
+              <a:rPr lang="de-DE" smtClean="0"/>
+              <a:t>16.07.2018</a:t>
+            </a:r>
+            <a:endParaRPr lang="de-DE" dirty="0"/>
+          </a:p>
+        </p:txBody>
+      </p:sp>
+      <p:sp>
+        <p:nvSpPr>
+          <p:cNvPr id="9" name="Footer Placeholder 8"/>
+          <p:cNvSpPr>
+            <a:spLocks noGrp="1"/>
+          </p:cNvSpPr>
+          <p:nvPr>
+            <p:ph type="ftr" sz="quarter" idx="16"/>
+          </p:nvPr>
+        </p:nvSpPr>
+        <p:spPr/>
+        <p:txBody>
+          <a:bodyPr/>
+          <a:lstStyle/>
+          <a:p>
+            <a:r>
+              <a:rPr lang="de-DE" smtClean="0"/>
+              <a:t>Chris Rebbelin s0548921</a:t>
+            </a:r>
+            <a:endParaRPr lang="de-DE" dirty="0"/>
+          </a:p>
+        </p:txBody>
+      </p:sp>
+      <p:sp>
+        <p:nvSpPr>
+          <p:cNvPr id="6" name="Slide Number Placeholder 5"/>
+          <p:cNvSpPr>
+            <a:spLocks noGrp="1"/>
+          </p:cNvSpPr>
+          <p:nvPr>
+            <p:ph type="sldNum" sz="quarter" idx="17"/>
+          </p:nvPr>
+        </p:nvSpPr>
+        <p:spPr/>
+        <p:txBody>
+          <a:bodyPr/>
+          <a:lstStyle/>
+          <a:p>
+            <a:fld id="{568A94F9-E96B-424F-A189-B27A5A923EEF}" type="slidenum">
+              <a:rPr lang="de-DE" smtClean="0"/>
+              <a:pPr/>
+              <a:t>2</a:t>
+            </a:fld>
+            <a:endParaRPr lang="de-DE" dirty="0"/>
+          </a:p>
+        </p:txBody>
+      </p:sp>
+    </p:spTree>
+    <p:extLst>
+      <p:ext uri="{BB962C8B-B14F-4D97-AF65-F5344CB8AC3E}">
+        <p14:creationId xmlns:p14="http://schemas.microsoft.com/office/powerpoint/2010/main" val="1486854331"/>
+      </p:ext>
+    </p:extLst>
+  </p:cSld>
+  <p:clrMapOvr>
+    <a:masterClrMapping/>
+  </p:clrMapOvr>
+  <p:timing>
+    <p:tnLst>
+      <p:par>
+        <p:cTn id="1" dur="indefinite" restart="never" nodeType="tmRoot"/>
+      </p:par>
+    </p:tnLst>
+  </p:timing>
+</p:sld>
+</file>
+
+<file path=ppt/slides/slide20.xml><?xml version="1.0" encoding="utf-8"?>
+<p:sld xmlns:a="http://schemas.openxmlformats.org/drawingml/2006/main" xmlns:r="http://schemas.openxmlformats.org/officeDocument/2006/relationships" xmlns:p="http://schemas.openxmlformats.org/presentationml/2006/main">
+  <p:cSld>
+    <p:spTree>
+      <p:nvGrpSpPr>
+        <p:cNvPr id="1" name=""/>
+        <p:cNvGrpSpPr/>
+        <p:nvPr/>
+      </p:nvGrpSpPr>
+      <p:grpSpPr>
+        <a:xfrm>
+          <a:off x="0" y="0"/>
+          <a:ext cx="0" cy="0"/>
+          <a:chOff x="0" y="0"/>
+          <a:chExt cx="0" cy="0"/>
+        </a:xfrm>
+      </p:grpSpPr>
+      <p:sp>
+        <p:nvSpPr>
+          <p:cNvPr id="3" name="Text Placeholder 2"/>
+          <p:cNvSpPr>
+            <a:spLocks noGrp="1"/>
+          </p:cNvSpPr>
+          <p:nvPr>
+            <p:ph type="body" sz="quarter" idx="14"/>
+          </p:nvPr>
+        </p:nvSpPr>
+        <p:spPr/>
+        <p:txBody>
+          <a:bodyPr/>
+          <a:lstStyle/>
+          <a:p>
+            <a:r>
+              <a:rPr lang="de-DE" dirty="0" err="1" smtClean="0"/>
+              <a:t>dataset</a:t>
+            </a:r>
+            <a:endParaRPr lang="de-DE" dirty="0"/>
+          </a:p>
+        </p:txBody>
+      </p:sp>
+      <p:sp>
+        <p:nvSpPr>
+          <p:cNvPr id="4" name="Text Placeholder 3"/>
+          <p:cNvSpPr>
+            <a:spLocks noGrp="1"/>
+          </p:cNvSpPr>
+          <p:nvPr>
+            <p:ph type="body" sz="quarter" idx="13"/>
+          </p:nvPr>
+        </p:nvSpPr>
+        <p:spPr/>
+        <p:txBody>
+          <a:bodyPr/>
+          <a:lstStyle/>
+          <a:p>
+            <a:pPr marL="463550" lvl="1" indent="-285750">
+              <a:buFontTx/>
+              <a:buChar char="-"/>
+            </a:pPr>
+            <a:endParaRPr lang="de-DE" sz="2200" dirty="0" smtClean="0"/>
+          </a:p>
+        </p:txBody>
+      </p:sp>
+      <p:sp>
+        <p:nvSpPr>
+          <p:cNvPr id="5" name="Date Placeholder 4"/>
+          <p:cNvSpPr>
+            <a:spLocks noGrp="1"/>
+          </p:cNvSpPr>
+          <p:nvPr>
+            <p:ph type="dt" sz="half" idx="15"/>
+          </p:nvPr>
+        </p:nvSpPr>
+        <p:spPr/>
+        <p:txBody>
+          <a:bodyPr/>
+          <a:lstStyle/>
+          <a:p>
+            <a:r>
+              <a:rPr lang="de-DE" smtClean="0"/>
+              <a:t>16.07.2018</a:t>
+            </a:r>
+            <a:endParaRPr lang="de-DE" dirty="0"/>
+          </a:p>
+        </p:txBody>
+      </p:sp>
+      <p:sp>
+        <p:nvSpPr>
+          <p:cNvPr id="9" name="Footer Placeholder 8"/>
+          <p:cNvSpPr>
+            <a:spLocks noGrp="1"/>
+          </p:cNvSpPr>
+          <p:nvPr>
+            <p:ph type="ftr" sz="quarter" idx="16"/>
+          </p:nvPr>
+        </p:nvSpPr>
+        <p:spPr/>
+        <p:txBody>
+          <a:bodyPr/>
+          <a:lstStyle/>
+          <a:p>
+            <a:r>
+              <a:rPr lang="de-DE" smtClean="0"/>
+              <a:t>Chris Rebbelin s0548921</a:t>
+            </a:r>
+            <a:endParaRPr lang="de-DE" dirty="0"/>
+          </a:p>
+        </p:txBody>
+      </p:sp>
+      <p:pic>
+        <p:nvPicPr>
+          <p:cNvPr id="8" name="Picture 7"/>
+          <p:cNvPicPr>
+            <a:picLocks noChangeAspect="1"/>
+          </p:cNvPicPr>
+          <p:nvPr/>
+        </p:nvPicPr>
+        <p:blipFill>
+          <a:blip r:embed="rId2">
+            <a:extLst>
+              <a:ext uri="{28A0092B-C50C-407E-A947-70E740481C1C}">
+                <a14:useLocalDpi xmlns:a14="http://schemas.microsoft.com/office/drawing/2010/main" val="0"/>
+              </a:ext>
+            </a:extLst>
+          </a:blip>
+          <a:stretch>
+            <a:fillRect/>
+          </a:stretch>
+        </p:blipFill>
+        <p:spPr>
+          <a:xfrm>
+            <a:off x="1259632" y="390378"/>
+            <a:ext cx="6408710" cy="4268202"/>
+          </a:xfrm>
+          <a:prstGeom prst="rect">
+            <a:avLst/>
+          </a:prstGeom>
+        </p:spPr>
+      </p:pic>
+      <p:sp>
+        <p:nvSpPr>
+          <p:cNvPr id="2" name="Slide Number Placeholder 1"/>
+          <p:cNvSpPr>
+            <a:spLocks noGrp="1"/>
+          </p:cNvSpPr>
+          <p:nvPr>
+            <p:ph type="sldNum" sz="quarter" idx="17"/>
+          </p:nvPr>
+        </p:nvSpPr>
+        <p:spPr/>
+        <p:txBody>
+          <a:bodyPr/>
+          <a:lstStyle/>
+          <a:p>
+            <a:fld id="{568A94F9-E96B-424F-A189-B27A5A923EEF}" type="slidenum">
+              <a:rPr lang="de-DE" smtClean="0"/>
+              <a:pPr/>
+              <a:t>20</a:t>
+            </a:fld>
+            <a:endParaRPr lang="de-DE" dirty="0"/>
+          </a:p>
+        </p:txBody>
+      </p:sp>
+    </p:spTree>
+    <p:extLst>
+      <p:ext uri="{BB962C8B-B14F-4D97-AF65-F5344CB8AC3E}">
+        <p14:creationId xmlns:p14="http://schemas.microsoft.com/office/powerpoint/2010/main" val="2036464400"/>
+      </p:ext>
+    </p:extLst>
+  </p:cSld>
+  <p:clrMapOvr>
+    <a:masterClrMapping/>
+  </p:clrMapOvr>
+  <p:timing>
+    <p:tnLst>
+      <p:par>
+        <p:cTn id="1" dur="indefinite" restart="never" nodeType="tmRoot"/>
+      </p:par>
+    </p:tnLst>
+  </p:timing>
+</p:sld>
+</file>
+
+<file path=ppt/slides/slide21.xml><?xml version="1.0" encoding="utf-8"?>
+<p:sld xmlns:a="http://schemas.openxmlformats.org/drawingml/2006/main" xmlns:r="http://schemas.openxmlformats.org/officeDocument/2006/relationships" xmlns:p="http://schemas.openxmlformats.org/presentationml/2006/main">
+  <p:cSld>
+    <p:spTree>
+      <p:nvGrpSpPr>
+        <p:cNvPr id="1" name=""/>
+        <p:cNvGrpSpPr/>
+        <p:nvPr/>
+      </p:nvGrpSpPr>
+      <p:grpSpPr>
+        <a:xfrm>
+          <a:off x="0" y="0"/>
+          <a:ext cx="0" cy="0"/>
+          <a:chOff x="0" y="0"/>
+          <a:chExt cx="0" cy="0"/>
+        </a:xfrm>
+      </p:grpSpPr>
+      <p:sp>
+        <p:nvSpPr>
+          <p:cNvPr id="3" name="Text Placeholder 2"/>
+          <p:cNvSpPr>
+            <a:spLocks noGrp="1"/>
+          </p:cNvSpPr>
+          <p:nvPr>
+            <p:ph type="body" sz="quarter" idx="14"/>
+          </p:nvPr>
+        </p:nvSpPr>
+        <p:spPr/>
+        <p:txBody>
+          <a:bodyPr/>
+          <a:lstStyle/>
+          <a:p>
+            <a:r>
+              <a:rPr lang="de-DE" dirty="0" err="1" smtClean="0"/>
+              <a:t>dataset</a:t>
+            </a:r>
+            <a:endParaRPr lang="de-DE" dirty="0"/>
+          </a:p>
+        </p:txBody>
+      </p:sp>
+      <p:sp>
+        <p:nvSpPr>
+          <p:cNvPr id="4" name="Text Placeholder 3"/>
+          <p:cNvSpPr>
+            <a:spLocks noGrp="1"/>
+          </p:cNvSpPr>
+          <p:nvPr>
+            <p:ph type="body" sz="quarter" idx="13"/>
+          </p:nvPr>
+        </p:nvSpPr>
+        <p:spPr/>
+        <p:txBody>
+          <a:bodyPr/>
+          <a:lstStyle/>
+          <a:p>
+            <a:pPr marL="463550" lvl="1" indent="-285750">
+              <a:buFontTx/>
+              <a:buChar char="-"/>
+            </a:pPr>
+            <a:endParaRPr lang="de-DE" sz="2200" dirty="0" smtClean="0"/>
+          </a:p>
+        </p:txBody>
+      </p:sp>
+      <p:sp>
+        <p:nvSpPr>
+          <p:cNvPr id="5" name="Date Placeholder 4"/>
+          <p:cNvSpPr>
+            <a:spLocks noGrp="1"/>
+          </p:cNvSpPr>
+          <p:nvPr>
+            <p:ph type="dt" sz="half" idx="15"/>
+          </p:nvPr>
+        </p:nvSpPr>
+        <p:spPr/>
+        <p:txBody>
+          <a:bodyPr/>
+          <a:lstStyle/>
+          <a:p>
+            <a:r>
+              <a:rPr lang="de-DE" smtClean="0"/>
+              <a:t>16.07.2018</a:t>
+            </a:r>
+            <a:endParaRPr lang="de-DE" dirty="0"/>
+          </a:p>
+        </p:txBody>
+      </p:sp>
+      <p:sp>
+        <p:nvSpPr>
+          <p:cNvPr id="9" name="Footer Placeholder 8"/>
+          <p:cNvSpPr>
+            <a:spLocks noGrp="1"/>
+          </p:cNvSpPr>
+          <p:nvPr>
+            <p:ph type="ftr" sz="quarter" idx="16"/>
+          </p:nvPr>
+        </p:nvSpPr>
+        <p:spPr/>
+        <p:txBody>
+          <a:bodyPr/>
+          <a:lstStyle/>
+          <a:p>
+            <a:r>
+              <a:rPr lang="de-DE" smtClean="0"/>
+              <a:t>Chris Rebbelin s0548921</a:t>
+            </a:r>
+            <a:endParaRPr lang="de-DE" dirty="0"/>
+          </a:p>
+        </p:txBody>
+      </p:sp>
+      <p:pic>
+        <p:nvPicPr>
+          <p:cNvPr id="8" name="Picture 7"/>
+          <p:cNvPicPr>
+            <a:picLocks noChangeAspect="1"/>
+          </p:cNvPicPr>
+          <p:nvPr/>
+        </p:nvPicPr>
+        <p:blipFill>
+          <a:blip r:embed="rId2">
+            <a:extLst>
+              <a:ext uri="{28A0092B-C50C-407E-A947-70E740481C1C}">
+                <a14:useLocalDpi xmlns:a14="http://schemas.microsoft.com/office/drawing/2010/main" val="0"/>
+              </a:ext>
+            </a:extLst>
+          </a:blip>
+          <a:stretch>
+            <a:fillRect/>
+          </a:stretch>
+        </p:blipFill>
+        <p:spPr>
+          <a:xfrm>
+            <a:off x="1259632" y="401593"/>
+            <a:ext cx="6408711" cy="4245771"/>
+          </a:xfrm>
+          <a:prstGeom prst="rect">
+            <a:avLst/>
+          </a:prstGeom>
+        </p:spPr>
+      </p:pic>
+      <p:sp>
+        <p:nvSpPr>
+          <p:cNvPr id="2" name="Slide Number Placeholder 1"/>
+          <p:cNvSpPr>
+            <a:spLocks noGrp="1"/>
+          </p:cNvSpPr>
+          <p:nvPr>
+            <p:ph type="sldNum" sz="quarter" idx="17"/>
+          </p:nvPr>
+        </p:nvSpPr>
+        <p:spPr/>
+        <p:txBody>
+          <a:bodyPr/>
+          <a:lstStyle/>
+          <a:p>
+            <a:fld id="{568A94F9-E96B-424F-A189-B27A5A923EEF}" type="slidenum">
+              <a:rPr lang="de-DE" smtClean="0"/>
+              <a:pPr/>
+              <a:t>21</a:t>
+            </a:fld>
+            <a:endParaRPr lang="de-DE" dirty="0"/>
+          </a:p>
+        </p:txBody>
+      </p:sp>
+    </p:spTree>
+    <p:extLst>
+      <p:ext uri="{BB962C8B-B14F-4D97-AF65-F5344CB8AC3E}">
+        <p14:creationId xmlns:p14="http://schemas.microsoft.com/office/powerpoint/2010/main" val="3833278631"/>
+      </p:ext>
+    </p:extLst>
+  </p:cSld>
+  <p:clrMapOvr>
+    <a:masterClrMapping/>
+  </p:clrMapOvr>
+  <p:timing>
+    <p:tnLst>
+      <p:par>
+        <p:cTn id="1" dur="indefinite" restart="never" nodeType="tmRoot"/>
+      </p:par>
+    </p:tnLst>
+  </p:timing>
+</p:sld>
+</file>
+
+<file path=ppt/slides/slide22.xml><?xml version="1.0" encoding="utf-8"?>
+<p:sld xmlns:a="http://schemas.openxmlformats.org/drawingml/2006/main" xmlns:r="http://schemas.openxmlformats.org/officeDocument/2006/relationships" xmlns:p="http://schemas.openxmlformats.org/presentationml/2006/main">
+  <p:cSld>
+    <p:spTree>
+      <p:nvGrpSpPr>
+        <p:cNvPr id="1" name=""/>
+        <p:cNvGrpSpPr/>
+        <p:nvPr/>
+      </p:nvGrpSpPr>
+      <p:grpSpPr>
+        <a:xfrm>
+          <a:off x="0" y="0"/>
+          <a:ext cx="0" cy="0"/>
+          <a:chOff x="0" y="0"/>
+          <a:chExt cx="0" cy="0"/>
+        </a:xfrm>
+      </p:grpSpPr>
+      <p:sp>
+        <p:nvSpPr>
+          <p:cNvPr id="2" name="Title 1"/>
+          <p:cNvSpPr>
+            <a:spLocks noGrp="1"/>
+          </p:cNvSpPr>
+          <p:nvPr>
+            <p:ph type="title"/>
+          </p:nvPr>
+        </p:nvSpPr>
+        <p:spPr/>
+        <p:txBody>
+          <a:bodyPr/>
+          <a:lstStyle/>
+          <a:p>
+            <a:r>
+              <a:rPr lang="de-DE" sz="3200" dirty="0" smtClean="0"/>
+              <a:t>DEMO</a:t>
+            </a:r>
+            <a:br>
+              <a:rPr lang="de-DE" sz="3200" dirty="0" smtClean="0"/>
+            </a:br>
+            <a:endParaRPr lang="de-DE" sz="3200" dirty="0"/>
+          </a:p>
+        </p:txBody>
+      </p:sp>
+      <p:sp>
+        <p:nvSpPr>
+          <p:cNvPr id="3" name="Text Placeholder 2"/>
+          <p:cNvSpPr>
+            <a:spLocks noGrp="1"/>
+          </p:cNvSpPr>
+          <p:nvPr>
+            <p:ph type="body" sz="quarter" idx="14"/>
+          </p:nvPr>
+        </p:nvSpPr>
+        <p:spPr/>
+        <p:txBody>
+          <a:bodyPr/>
+          <a:lstStyle/>
+          <a:p>
+            <a:r>
+              <a:rPr lang="de-DE" dirty="0" err="1" smtClean="0"/>
+              <a:t>demo</a:t>
+            </a:r>
+            <a:endParaRPr lang="de-DE" dirty="0"/>
+          </a:p>
+        </p:txBody>
+      </p:sp>
+      <p:sp>
+        <p:nvSpPr>
+          <p:cNvPr id="4" name="Text Placeholder 3"/>
+          <p:cNvSpPr>
+            <a:spLocks noGrp="1"/>
+          </p:cNvSpPr>
+          <p:nvPr>
+            <p:ph type="body" sz="quarter" idx="13"/>
+          </p:nvPr>
+        </p:nvSpPr>
+        <p:spPr/>
+        <p:txBody>
+          <a:bodyPr/>
+          <a:lstStyle/>
+          <a:p>
+            <a:pPr marL="463550" lvl="1" indent="-285750">
+              <a:buFontTx/>
+              <a:buChar char="-"/>
+            </a:pPr>
+            <a:endParaRPr lang="de-DE" sz="2200" dirty="0" smtClean="0"/>
+          </a:p>
+        </p:txBody>
+      </p:sp>
+      <p:sp>
+        <p:nvSpPr>
+          <p:cNvPr id="5" name="Date Placeholder 4"/>
+          <p:cNvSpPr>
+            <a:spLocks noGrp="1"/>
+          </p:cNvSpPr>
+          <p:nvPr>
+            <p:ph type="dt" sz="half" idx="15"/>
+          </p:nvPr>
+        </p:nvSpPr>
+        <p:spPr/>
+        <p:txBody>
+          <a:bodyPr/>
+          <a:lstStyle/>
+          <a:p>
+            <a:r>
+              <a:rPr lang="de-DE" smtClean="0"/>
+              <a:t>16.07.2018</a:t>
+            </a:r>
+            <a:endParaRPr lang="de-DE" dirty="0"/>
+          </a:p>
+        </p:txBody>
+      </p:sp>
+      <p:sp>
+        <p:nvSpPr>
+          <p:cNvPr id="9" name="Footer Placeholder 8"/>
+          <p:cNvSpPr>
+            <a:spLocks noGrp="1"/>
+          </p:cNvSpPr>
+          <p:nvPr>
+            <p:ph type="ftr" sz="quarter" idx="16"/>
+          </p:nvPr>
+        </p:nvSpPr>
+        <p:spPr/>
+        <p:txBody>
+          <a:bodyPr/>
+          <a:lstStyle/>
+          <a:p>
+            <a:r>
+              <a:rPr lang="de-DE" smtClean="0"/>
+              <a:t>Chris Rebbelin s0548921</a:t>
+            </a:r>
+            <a:endParaRPr lang="de-DE" dirty="0"/>
+          </a:p>
+        </p:txBody>
+      </p:sp>
+      <p:sp>
+        <p:nvSpPr>
+          <p:cNvPr id="6" name="Slide Number Placeholder 5"/>
+          <p:cNvSpPr>
+            <a:spLocks noGrp="1"/>
+          </p:cNvSpPr>
+          <p:nvPr>
+            <p:ph type="sldNum" sz="quarter" idx="17"/>
+          </p:nvPr>
+        </p:nvSpPr>
+        <p:spPr/>
+        <p:txBody>
+          <a:bodyPr/>
+          <a:lstStyle/>
+          <a:p>
+            <a:fld id="{568A94F9-E96B-424F-A189-B27A5A923EEF}" type="slidenum">
+              <a:rPr lang="de-DE" smtClean="0"/>
+              <a:pPr/>
+              <a:t>22</a:t>
             </a:fld>
             <a:endParaRPr lang="de-DE" dirty="0"/>
           </a:p>
@@ -8635,7 +11610,7 @@
 </p:sld>
 </file>
 
-<file path=ppt/slides/slide12.xml><?xml version="1.0" encoding="utf-8"?>
+<file path=ppt/slides/slide23.xml><?xml version="1.0" encoding="utf-8"?>
 <p:sld xmlns:a="http://schemas.openxmlformats.org/drawingml/2006/main" xmlns:r="http://schemas.openxmlformats.org/officeDocument/2006/relationships" xmlns:p="http://schemas.openxmlformats.org/presentationml/2006/main">
   <p:cSld>
     <p:spTree>
@@ -8672,230 +11647,6 @@
 </p:sld>
 </file>
 
-<file path=ppt/slides/slide2.xml><?xml version="1.0" encoding="utf-8"?>
-<p:sld xmlns:a="http://schemas.openxmlformats.org/drawingml/2006/main" xmlns:r="http://schemas.openxmlformats.org/officeDocument/2006/relationships" xmlns:p="http://schemas.openxmlformats.org/presentationml/2006/main">
-  <p:cSld>
-    <p:spTree>
-      <p:nvGrpSpPr>
-        <p:cNvPr id="1" name=""/>
-        <p:cNvGrpSpPr/>
-        <p:nvPr/>
-      </p:nvGrpSpPr>
-      <p:grpSpPr>
-        <a:xfrm>
-          <a:off x="0" y="0"/>
-          <a:ext cx="0" cy="0"/>
-          <a:chOff x="0" y="0"/>
-          <a:chExt cx="0" cy="0"/>
-        </a:xfrm>
-      </p:grpSpPr>
-      <p:sp>
-        <p:nvSpPr>
-          <p:cNvPr id="2" name="Title 1"/>
-          <p:cNvSpPr>
-            <a:spLocks noGrp="1"/>
-          </p:cNvSpPr>
-          <p:nvPr>
-            <p:ph type="title"/>
-          </p:nvPr>
-        </p:nvSpPr>
-        <p:spPr/>
-        <p:txBody>
-          <a:bodyPr/>
-          <a:lstStyle/>
-          <a:p>
-            <a:r>
-              <a:rPr lang="de-DE" sz="3200" dirty="0" err="1" smtClean="0"/>
-              <a:t>contents</a:t>
-            </a:r>
-            <a:endParaRPr lang="de-DE" sz="3200" dirty="0"/>
-          </a:p>
-        </p:txBody>
-      </p:sp>
-      <p:sp>
-        <p:nvSpPr>
-          <p:cNvPr id="3" name="Text Placeholder 2"/>
-          <p:cNvSpPr>
-            <a:spLocks noGrp="1"/>
-          </p:cNvSpPr>
-          <p:nvPr>
-            <p:ph type="body" sz="quarter" idx="14"/>
-          </p:nvPr>
-        </p:nvSpPr>
-        <p:spPr/>
-        <p:txBody>
-          <a:bodyPr/>
-          <a:lstStyle/>
-          <a:p>
-            <a:r>
-              <a:rPr lang="de-DE" dirty="0" err="1" smtClean="0"/>
-              <a:t>contents</a:t>
-            </a:r>
-            <a:endParaRPr lang="de-DE" dirty="0"/>
-          </a:p>
-        </p:txBody>
-      </p:sp>
-      <p:sp>
-        <p:nvSpPr>
-          <p:cNvPr id="4" name="Text Placeholder 3"/>
-          <p:cNvSpPr>
-            <a:spLocks noGrp="1"/>
-          </p:cNvSpPr>
-          <p:nvPr>
-            <p:ph type="body" sz="quarter" idx="13"/>
-          </p:nvPr>
-        </p:nvSpPr>
-        <p:spPr/>
-        <p:txBody>
-          <a:bodyPr/>
-          <a:lstStyle/>
-          <a:p>
-            <a:pPr marL="285750" indent="-285750">
-              <a:buFontTx/>
-              <a:buChar char="-"/>
-            </a:pPr>
-            <a:r>
-              <a:rPr lang="de-DE" sz="2200" dirty="0" err="1" smtClean="0"/>
-              <a:t>task</a:t>
-            </a:r>
-            <a:endParaRPr lang="de-DE" sz="2200" dirty="0" smtClean="0"/>
-          </a:p>
-          <a:p>
-            <a:pPr marL="285750" indent="-285750">
-              <a:buFontTx/>
-              <a:buChar char="-"/>
-            </a:pPr>
-            <a:r>
-              <a:rPr lang="de-DE" sz="2200" dirty="0" err="1" smtClean="0"/>
-              <a:t>dataset</a:t>
-            </a:r>
-            <a:endParaRPr lang="de-DE" sz="2200" dirty="0" smtClean="0"/>
-          </a:p>
-          <a:p>
-            <a:pPr marL="285750" indent="-285750">
-              <a:buFontTx/>
-              <a:buChar char="-"/>
-            </a:pPr>
-            <a:r>
-              <a:rPr lang="de-DE" sz="2200" dirty="0" err="1" smtClean="0"/>
-              <a:t>approach</a:t>
-            </a:r>
-            <a:endParaRPr lang="de-DE" sz="2200" dirty="0" smtClean="0"/>
-          </a:p>
-          <a:p>
-            <a:pPr marL="285750" indent="-285750">
-              <a:buFontTx/>
-              <a:buChar char="-"/>
-            </a:pPr>
-            <a:r>
-              <a:rPr lang="de-DE" sz="2200" dirty="0" err="1" smtClean="0"/>
-              <a:t>evaluation</a:t>
-            </a:r>
-            <a:endParaRPr lang="de-DE" sz="2200" dirty="0" smtClean="0"/>
-          </a:p>
-          <a:p>
-            <a:pPr marL="285750" indent="-285750">
-              <a:buFontTx/>
-              <a:buChar char="-"/>
-            </a:pPr>
-            <a:r>
-              <a:rPr lang="de-DE" sz="2200" dirty="0" err="1" smtClean="0"/>
-              <a:t>demo</a:t>
-            </a:r>
-            <a:endParaRPr lang="de-DE" sz="2200" dirty="0" smtClean="0"/>
-          </a:p>
-        </p:txBody>
-      </p:sp>
-      <p:sp>
-        <p:nvSpPr>
-          <p:cNvPr id="5" name="Date Placeholder 4"/>
-          <p:cNvSpPr>
-            <a:spLocks noGrp="1"/>
-          </p:cNvSpPr>
-          <p:nvPr>
-            <p:ph type="dt" sz="half" idx="15"/>
-          </p:nvPr>
-        </p:nvSpPr>
-        <p:spPr/>
-        <p:txBody>
-          <a:bodyPr/>
-          <a:lstStyle/>
-          <a:p>
-            <a:r>
-              <a:rPr lang="de-DE" smtClean="0"/>
-              <a:t>11.07.2018</a:t>
-            </a:r>
-            <a:endParaRPr lang="de-DE" dirty="0"/>
-          </a:p>
-        </p:txBody>
-      </p:sp>
-      <p:sp>
-        <p:nvSpPr>
-          <p:cNvPr id="9" name="Footer Placeholder 8"/>
-          <p:cNvSpPr>
-            <a:spLocks noGrp="1"/>
-          </p:cNvSpPr>
-          <p:nvPr>
-            <p:ph type="ftr" sz="quarter" idx="16"/>
-          </p:nvPr>
-        </p:nvSpPr>
-        <p:spPr/>
-        <p:txBody>
-          <a:bodyPr/>
-          <a:lstStyle/>
-          <a:p>
-            <a:r>
-              <a:rPr lang="de-DE" dirty="0" smtClean="0"/>
-              <a:t>Chris Rebbelin s0548921</a:t>
-            </a:r>
-            <a:endParaRPr lang="de-DE" dirty="0"/>
-          </a:p>
-        </p:txBody>
-      </p:sp>
-      <p:sp>
-        <p:nvSpPr>
-          <p:cNvPr id="7" name="Slide Number Placeholder 6"/>
-          <p:cNvSpPr>
-            <a:spLocks noGrp="1"/>
-          </p:cNvSpPr>
-          <p:nvPr>
-            <p:ph type="sldNum" sz="quarter" idx="17"/>
-          </p:nvPr>
-        </p:nvSpPr>
-        <p:spPr/>
-        <p:txBody>
-          <a:bodyPr/>
-          <a:lstStyle/>
-          <a:p>
-            <a:fld id="{568A94F9-E96B-424F-A189-B27A5A923EEF}" type="slidenum">
-              <a:rPr lang="de-DE" smtClean="0"/>
-              <a:pPr/>
-              <a:t>2</a:t>
-            </a:fld>
-            <a:endParaRPr lang="de-DE" dirty="0"/>
-          </a:p>
-        </p:txBody>
-      </p:sp>
-    </p:spTree>
-    <p:extLst>
-      <p:ext uri="{BB962C8B-B14F-4D97-AF65-F5344CB8AC3E}">
-        <p14:creationId xmlns:p14="http://schemas.microsoft.com/office/powerpoint/2010/main" val="611281043"/>
-      </p:ext>
-    </p:extLst>
-  </p:cSld>
-  <p:clrMapOvr>
-    <a:masterClrMapping/>
-  </p:clrMapOvr>
-  <p:timing>
-    <p:tnLst>
-      <p:par>
-        <p:cTn id="1" dur="indefinite" restart="never" nodeType="tmRoot"/>
-      </p:par>
-    </p:tnLst>
-  </p:timing>
-</p:sld>
-</file>
-
 <file path=ppt/slides/slide3.xml><?xml version="1.0" encoding="utf-8"?>
 <p:sld xmlns:a="http://schemas.openxmlformats.org/drawingml/2006/main" xmlns:r="http://schemas.openxmlformats.org/officeDocument/2006/relationships" xmlns:p="http://schemas.openxmlformats.org/presentationml/2006/main">
   <p:cSld>
@@ -8915,29 +11666,6 @@
       </p:grpSpPr>
       <p:sp>
         <p:nvSpPr>
-          <p:cNvPr id="2" name="Title 1"/>
-          <p:cNvSpPr>
-            <a:spLocks noGrp="1"/>
-          </p:cNvSpPr>
-          <p:nvPr>
-            <p:ph type="title"/>
-          </p:nvPr>
-        </p:nvSpPr>
-        <p:spPr/>
-        <p:txBody>
-          <a:bodyPr/>
-          <a:lstStyle/>
-          <a:p>
-            <a:r>
-              <a:rPr lang="de-DE" sz="3200" dirty="0" err="1" smtClean="0"/>
-              <a:t>task</a:t>
-            </a:r>
-            <a:endParaRPr lang="de-DE" sz="3200" dirty="0"/>
-          </a:p>
-        </p:txBody>
-      </p:sp>
-      <p:sp>
-        <p:nvSpPr>
           <p:cNvPr id="3" name="Text Placeholder 2"/>
           <p:cNvSpPr>
             <a:spLocks noGrp="1"/>
@@ -8953,160 +11681,9 @@
           <a:p>
             <a:r>
               <a:rPr lang="de-DE" dirty="0" err="1" smtClean="0"/>
-              <a:t>task</a:t>
-            </a:r>
-            <a:endParaRPr lang="de-DE" dirty="0"/>
-          </a:p>
-        </p:txBody>
-      </p:sp>
-      <p:sp>
-        <p:nvSpPr>
-          <p:cNvPr id="4" name="Text Placeholder 3"/>
-          <p:cNvSpPr>
-            <a:spLocks noGrp="1"/>
-          </p:cNvSpPr>
-          <p:nvPr>
-            <p:ph type="body" sz="quarter" idx="13"/>
-          </p:nvPr>
-        </p:nvSpPr>
-        <p:spPr/>
-        <p:txBody>
-          <a:bodyPr/>
-          <a:lstStyle/>
-          <a:p>
-            <a:pPr marL="463550" lvl="1" indent="-285750">
-              <a:buFontTx/>
-              <a:buChar char="-"/>
-            </a:pPr>
-            <a:r>
-              <a:rPr lang="de-DE" sz="2200" dirty="0" smtClean="0"/>
-              <a:t>Find a </a:t>
-            </a:r>
-            <a:r>
-              <a:rPr lang="de-DE" sz="2200" dirty="0" err="1" smtClean="0"/>
-              <a:t>classification</a:t>
-            </a:r>
-            <a:r>
-              <a:rPr lang="de-DE" sz="2200" dirty="0" smtClean="0"/>
-              <a:t> </a:t>
-            </a:r>
-            <a:r>
-              <a:rPr lang="de-DE" sz="2200" dirty="0" err="1" smtClean="0"/>
-              <a:t>problem</a:t>
-            </a:r>
-            <a:endParaRPr lang="de-DE" sz="2200" dirty="0" smtClean="0"/>
-          </a:p>
-          <a:p>
-            <a:pPr marL="463550" lvl="1" indent="-285750">
-              <a:buFontTx/>
-              <a:buChar char="-"/>
-            </a:pPr>
-            <a:r>
-              <a:rPr lang="de-DE" sz="2200" dirty="0" err="1" smtClean="0"/>
-              <a:t>Solve</a:t>
-            </a:r>
-            <a:r>
-              <a:rPr lang="de-DE" sz="2200" dirty="0" smtClean="0"/>
-              <a:t> </a:t>
-            </a:r>
-            <a:r>
-              <a:rPr lang="de-DE" sz="2200" dirty="0" err="1" smtClean="0"/>
-              <a:t>it</a:t>
-            </a:r>
-            <a:r>
-              <a:rPr lang="de-DE" sz="2200" dirty="0" smtClean="0"/>
-              <a:t> </a:t>
-            </a:r>
-            <a:r>
-              <a:rPr lang="de-DE" sz="2200" dirty="0" err="1" smtClean="0"/>
-              <a:t>with</a:t>
-            </a:r>
-            <a:r>
-              <a:rPr lang="de-DE" sz="2200" dirty="0" smtClean="0"/>
-              <a:t> </a:t>
-            </a:r>
-            <a:r>
-              <a:rPr lang="de-DE" sz="2200" dirty="0" err="1" smtClean="0"/>
-              <a:t>deep</a:t>
-            </a:r>
-            <a:r>
-              <a:rPr lang="de-DE" sz="2200" dirty="0" smtClean="0"/>
-              <a:t> </a:t>
-            </a:r>
-            <a:r>
-              <a:rPr lang="de-DE" sz="2200" dirty="0" err="1" smtClean="0"/>
-              <a:t>learning</a:t>
-            </a:r>
-            <a:r>
-              <a:rPr lang="de-DE" sz="2200" dirty="0" smtClean="0"/>
-              <a:t> </a:t>
-            </a:r>
-            <a:r>
-              <a:rPr lang="de-DE" sz="2200" dirty="0" err="1" smtClean="0"/>
-              <a:t>approach</a:t>
-            </a:r>
-            <a:endParaRPr lang="de-DE" sz="2200" dirty="0" smtClean="0"/>
-          </a:p>
-          <a:p>
-            <a:pPr marL="463550" lvl="1" indent="-285750">
-              <a:buFontTx/>
-              <a:buChar char="-"/>
-            </a:pPr>
-            <a:r>
-              <a:rPr lang="de-DE" sz="2200" dirty="0" smtClean="0"/>
-              <a:t>Select </a:t>
-            </a:r>
-            <a:r>
-              <a:rPr lang="de-DE" sz="2200" dirty="0" err="1" smtClean="0"/>
-              <a:t>architecture</a:t>
-            </a:r>
-            <a:r>
-              <a:rPr lang="de-DE" sz="2200" dirty="0" smtClean="0"/>
-              <a:t> of </a:t>
-            </a:r>
-            <a:r>
-              <a:rPr lang="de-DE" sz="2200" dirty="0" err="1" smtClean="0"/>
-              <a:t>cNN</a:t>
-            </a:r>
-            <a:endParaRPr lang="de-DE" sz="2200" dirty="0" smtClean="0"/>
-          </a:p>
-          <a:p>
-            <a:pPr marL="463550" lvl="1" indent="-285750">
-              <a:buFontTx/>
-              <a:buChar char="-"/>
-            </a:pPr>
-            <a:r>
-              <a:rPr lang="de-DE" sz="2200" dirty="0" smtClean="0"/>
-              <a:t>Train and </a:t>
-            </a:r>
-            <a:r>
-              <a:rPr lang="de-DE" sz="2200" dirty="0" err="1" smtClean="0"/>
-              <a:t>evaluate</a:t>
-            </a:r>
-            <a:r>
-              <a:rPr lang="de-DE" sz="2200" dirty="0" smtClean="0"/>
-              <a:t> </a:t>
-            </a:r>
-            <a:r>
-              <a:rPr lang="de-DE" sz="2200" dirty="0" err="1" smtClean="0"/>
-              <a:t>cNN</a:t>
-            </a:r>
-            <a:endParaRPr lang="de-DE" sz="2200" dirty="0" smtClean="0"/>
-          </a:p>
-          <a:p>
-            <a:pPr marL="463550" lvl="1" indent="-285750">
-              <a:buFontTx/>
-              <a:buChar char="-"/>
-            </a:pPr>
-            <a:r>
-              <a:rPr lang="de-DE" sz="2200" dirty="0" smtClean="0"/>
-              <a:t>Test </a:t>
-            </a:r>
-            <a:r>
-              <a:rPr lang="de-DE" sz="2200" dirty="0" err="1" smtClean="0"/>
-              <a:t>it</a:t>
-            </a:r>
-            <a:endParaRPr lang="de-DE" sz="2200" dirty="0" smtClean="0"/>
+              <a:t>dataset</a:t>
+            </a:r>
+            <a:endParaRPr lang="de-DE" dirty="0"/>
           </a:p>
         </p:txBody>
       </p:sp>
@@ -9127,7 +11704,7 @@
           <a:p>
             <a:r>
               <a:rPr lang="de-DE" smtClean="0"/>
-              <a:t>11.07.2018</a:t>
+              <a:t>16.07.2018</a:t>
             </a:r>
             <a:endParaRPr lang="de-DE" dirty="0"/>
           </a:p>
@@ -9156,9 +11733,39 @@
           </a:p>
         </p:txBody>
       </p:sp>
-      <p:sp>
-        <p:nvSpPr>
-          <p:cNvPr id="7" name="Slide Number Placeholder 6"/>
+      <p:pic>
+        <p:nvPicPr>
+          <p:cNvPr id="10" name="Picture 9"/>
+          <p:cNvPicPr>
+            <a:picLocks noChangeAspect="1"/>
+          </p:cNvPicPr>
+          <p:nvPr/>
+        </p:nvPicPr>
+        <p:blipFill>
+          <a:blip r:embed="rId2" cstate="print">
+            <a:extLst>
+              <a:ext uri="{28A0092B-C50C-407E-A947-70E740481C1C}">
+                <a14:useLocalDpi xmlns:a14="http://schemas.microsoft.com/office/drawing/2010/main" val="0"/>
+              </a:ext>
+            </a:extLst>
+          </a:blip>
+          <a:stretch>
+            <a:fillRect/>
+          </a:stretch>
+        </p:blipFill>
+        <p:spPr>
+          <a:xfrm>
+            <a:off x="1403648" y="64865"/>
+            <a:ext cx="6239272" cy="4658580"/>
+          </a:xfrm>
+          <a:prstGeom prst="rect">
+            <a:avLst/>
+          </a:prstGeom>
+        </p:spPr>
+      </p:pic>
+      <p:sp>
+        <p:nvSpPr>
+          <p:cNvPr id="11" name="Slide Number Placeholder 10"/>
           <p:cNvSpPr>
             <a:spLocks noGrp="1"/>
           </p:cNvSpPr>
@@ -9183,7 +11790,7 @@
     </p:spTree>
     <p:extLst>
       <p:ext uri="{BB962C8B-B14F-4D97-AF65-F5344CB8AC3E}">
-        <p14:creationId xmlns:p14="http://schemas.microsoft.com/office/powerpoint/2010/main" val="4275177065"/>
+        <p14:creationId xmlns:p14="http://schemas.microsoft.com/office/powerpoint/2010/main" val="3292027805"/>
       </p:ext>
     </p:extLst>
   </p:cSld>
@@ -9234,7 +11841,7 @@
           <a:p>
             <a:r>
               <a:rPr lang="de-DE" sz="3200" dirty="0" err="1" smtClean="0"/>
-              <a:t>dataset</a:t>
+              <a:t>approach</a:t>
             </a:r>
             <a:endParaRPr lang="de-DE" sz="3200" dirty="0"/>
           </a:p>
@@ -9257,7 +11864,7 @@
           <a:p>
             <a:r>
               <a:rPr lang="de-DE" dirty="0" err="1" smtClean="0"/>
-              <a:t>dataset</a:t>
+              <a:t>approach</a:t>
             </a:r>
             <a:endParaRPr lang="de-DE" dirty="0"/>
           </a:p>
@@ -9283,24 +11890,32 @@
               <a:buChar char="-"/>
             </a:pPr>
             <a:r>
+              <a:rPr lang="de-DE" sz="2200" dirty="0" err="1"/>
+              <a:t>r</a:t>
+            </a:r>
+            <a:r>
+              <a:rPr lang="de-DE" sz="2200" dirty="0" err="1" smtClean="0"/>
+              <a:t>esize</a:t>
+            </a:r>
+            <a:r>
               <a:rPr lang="de-DE" sz="2200" dirty="0" smtClean="0"/>
-              <a:t>„</a:t>
+              <a:t> all </a:t>
             </a:r>
             <a:r>
               <a:rPr lang="de-DE" sz="2200" dirty="0" err="1" smtClean="0"/>
-              <a:t>Flowers</a:t>
+              <a:t>images</a:t>
             </a:r>
             <a:r>
               <a:rPr lang="de-DE" sz="2200" dirty="0" smtClean="0"/>
-              <a:t> Recognition“ </a:t>
+              <a:t> </a:t>
             </a:r>
             <a:r>
               <a:rPr lang="de-DE" sz="2200" dirty="0" err="1" smtClean="0"/>
-              <a:t>from</a:t>
+              <a:t>to</a:t>
             </a:r>
             <a:r>
               <a:rPr lang="de-DE" sz="2200" dirty="0" smtClean="0"/>
-              <a:t> kaggle.com</a:t>
+              <a:t> 32x32</a:t>
             </a:r>
           </a:p>
           <a:p>
@@ -9309,20 +11924,36 @@
               <a:buChar char="-"/>
             </a:pPr>
             <a:r>
+              <a:rPr lang="de-DE" sz="2200" dirty="0" err="1"/>
+              <a:t>t</a:t>
+            </a:r>
+            <a:r>
+              <a:rPr lang="de-DE" sz="2200" dirty="0" err="1" smtClean="0"/>
+              <a:t>ake</a:t>
+            </a:r>
+            <a:r>
               <a:rPr lang="de-DE" sz="2200" dirty="0" smtClean="0"/>
-              <a:t>4242 </a:t>
+              <a:t> </a:t>
             </a:r>
             <a:r>
               <a:rPr lang="de-DE" sz="2200" dirty="0" err="1" smtClean="0"/>
-              <a:t>images</a:t>
+              <a:t>only</a:t>
             </a:r>
             <a:r>
               <a:rPr lang="de-DE" sz="2200" dirty="0" smtClean="0"/>
-              <a:t> of </a:t>
+              <a:t> </a:t>
             </a:r>
             <a:r>
               <a:rPr lang="de-DE" sz="2200" dirty="0" err="1" smtClean="0"/>
-              <a:t>flowers</a:t>
+              <a:t>around</a:t>
+            </a:r>
+            <a:r>
+              <a:rPr lang="de-DE" sz="2200" dirty="0" smtClean="0"/>
+              <a:t> 700 of </a:t>
+            </a:r>
+            <a:r>
+              <a:rPr lang="de-DE" sz="2200" dirty="0" err="1" smtClean="0"/>
+              <a:t>each</a:t>
             </a:r>
             <a:endParaRPr lang="de-DE" sz="2200" dirty="0" smtClean="0"/>
           </a:p>
@@ -9331,50 +11962,7 @@
               <a:buFontTx/>
               <a:buChar char="-"/>
             </a:pPr>
-            <a:r>
-              <a:rPr lang="de-DE" sz="2200" dirty="0" smtClean="0"/>
-              <a:t>5 </a:t>
-            </a:r>
-            <a:r>
-              <a:rPr lang="de-DE" sz="2200" dirty="0" err="1" smtClean="0"/>
-              <a:t>classes</a:t>
-            </a:r>
-            <a:endParaRPr lang="de-DE" sz="2200" dirty="0" smtClean="0"/>
-          </a:p>
-          <a:p>
-            <a:pPr marL="463550" lvl="1" indent="-285750">
-              <a:buFontTx/>
-              <a:buChar char="-"/>
-            </a:pPr>
-            <a:r>
-              <a:rPr lang="de-DE" sz="2200" dirty="0" err="1"/>
-              <a:t>f</a:t>
-            </a:r>
-            <a:r>
-              <a:rPr lang="de-DE" sz="2200" dirty="0" err="1" smtClean="0"/>
-              <a:t>rom</a:t>
-            </a:r>
-            <a:r>
-              <a:rPr lang="de-DE" sz="2200" dirty="0" smtClean="0"/>
-              <a:t> all </a:t>
-            </a:r>
-            <a:r>
-              <a:rPr lang="de-DE" sz="2200" dirty="0" err="1" smtClean="0"/>
-              <a:t>over</a:t>
-            </a:r>
-            <a:r>
-              <a:rPr lang="de-DE" sz="2200" dirty="0" smtClean="0"/>
-              <a:t> </a:t>
-            </a:r>
-            <a:r>
-              <a:rPr lang="de-DE" sz="2200" dirty="0" err="1" smtClean="0"/>
-              <a:t>the</a:t>
-            </a:r>
-            <a:r>
-              <a:rPr lang="de-DE" sz="2200" dirty="0" smtClean="0"/>
-              <a:t> web</a:t>
-            </a:r>
-            <a:endParaRPr lang="de-DE" sz="2200" dirty="0" smtClean="0"/>
+            <a:endParaRPr lang="de-DE" sz="2200" dirty="0"/>
           </a:p>
         </p:txBody>
       </p:sp>
@@ -9395,7 +11983,7 @@
           <a:p>
             <a:r>
               <a:rPr lang="de-DE" smtClean="0"/>
-              <a:t>11.07.2018</a:t>
+              <a:t>16.07.2018</a:t>
             </a:r>
             <a:endParaRPr lang="de-DE" dirty="0"/>
           </a:p>
@@ -9426,7 +12014,7 @@
       </p:sp>
       <p:sp>
         <p:nvSpPr>
-          <p:cNvPr id="7" name="Slide Number Placeholder 6"/>
+          <p:cNvPr id="6" name="Slide Number Placeholder 5"/>
           <p:cNvSpPr>
             <a:spLocks noGrp="1"/>
           </p:cNvSpPr>
@@ -9451,7 +12039,7 @@
     </p:spTree>
     <p:extLst>
       <p:ext uri="{BB962C8B-B14F-4D97-AF65-F5344CB8AC3E}">
-        <p14:creationId xmlns:p14="http://schemas.microsoft.com/office/powerpoint/2010/main" val="1486854331"/>
+        <p14:creationId xmlns:p14="http://schemas.microsoft.com/office/powerpoint/2010/main" val="2455873582"/>
       </p:ext>
     </p:extLst>
   </p:cSld>
@@ -9502,7 +12090,7 @@
           <a:p>
             <a:r>
               <a:rPr lang="de-DE" sz="3200" dirty="0" err="1" smtClean="0"/>
-              <a:t>distribution</a:t>
+              <a:t>approach</a:t>
             </a:r>
             <a:endParaRPr lang="de-DE" sz="3200" dirty="0"/>
           </a:p>
@@ -9525,7 +12113,7 @@
           <a:p>
             <a:r>
               <a:rPr lang="de-DE" dirty="0" err="1" smtClean="0"/>
-              <a:t>dataset</a:t>
+              <a:t>approach</a:t>
             </a:r>
             <a:endParaRPr lang="de-DE" dirty="0"/>
           </a:p>
@@ -9550,8 +12138,276 @@
               <a:buFontTx/>
               <a:buChar char="-"/>
             </a:pPr>
+            <a:r>
+              <a:rPr lang="de-DE" sz="2200" dirty="0" err="1">
+                <a:solidFill>
+                  <a:schemeClr val="bg2">
+                    <a:lumMod val="75000"/>
+                  </a:schemeClr>
+                </a:solidFill>
+              </a:rPr>
+              <a:t>r</a:t>
+            </a:r>
+            <a:r>
+              <a:rPr lang="de-DE" sz="2200" dirty="0" err="1" smtClean="0">
+                <a:solidFill>
+                  <a:schemeClr val="bg2">
+                    <a:lumMod val="75000"/>
+                  </a:schemeClr>
+                </a:solidFill>
+              </a:rPr>
+              <a:t>esize</a:t>
+            </a:r>
+            <a:r>
+              <a:rPr lang="de-DE" sz="2200" dirty="0" smtClean="0">
+                <a:solidFill>
+                  <a:schemeClr val="bg2">
+                    <a:lumMod val="75000"/>
+                  </a:schemeClr>
+                </a:solidFill>
+              </a:rPr>
+              <a:t> all </a:t>
+            </a:r>
+            <a:r>
+              <a:rPr lang="de-DE" sz="2200" dirty="0" err="1" smtClean="0">
+                <a:solidFill>
+                  <a:schemeClr val="bg2">
+                    <a:lumMod val="75000"/>
+                  </a:schemeClr>
+                </a:solidFill>
+              </a:rPr>
+              <a:t>images</a:t>
+            </a:r>
+            <a:r>
+              <a:rPr lang="de-DE" sz="2200" dirty="0" smtClean="0">
+                <a:solidFill>
+                  <a:schemeClr val="bg2">
+                    <a:lumMod val="75000"/>
+                  </a:schemeClr>
+                </a:solidFill>
+              </a:rPr>
+              <a:t> </a:t>
+            </a:r>
+            <a:r>
+              <a:rPr lang="de-DE" sz="2200" dirty="0" err="1" smtClean="0">
+                <a:solidFill>
+                  <a:schemeClr val="bg2">
+                    <a:lumMod val="75000"/>
+                  </a:schemeClr>
+                </a:solidFill>
+              </a:rPr>
+              <a:t>to</a:t>
+            </a:r>
+            <a:r>
+              <a:rPr lang="de-DE" sz="2200" dirty="0" smtClean="0">
+                <a:solidFill>
+                  <a:schemeClr val="bg2">
+                    <a:lumMod val="75000"/>
+                  </a:schemeClr>
+                </a:solidFill>
+              </a:rPr>
+              <a:t> 32x32</a:t>
+            </a:r>
+          </a:p>
+          <a:p>
+            <a:pPr marL="463550" lvl="1" indent="-285750">
+              <a:buFontTx/>
+              <a:buChar char="-"/>
+            </a:pPr>
+            <a:r>
+              <a:rPr lang="de-DE" sz="2200" dirty="0" err="1">
+                <a:solidFill>
+                  <a:schemeClr val="bg2">
+                    <a:lumMod val="75000"/>
+                  </a:schemeClr>
+                </a:solidFill>
+              </a:rPr>
+              <a:t>t</a:t>
+            </a:r>
+            <a:r>
+              <a:rPr lang="de-DE" sz="2200" dirty="0" err="1" smtClean="0">
+                <a:solidFill>
+                  <a:schemeClr val="bg2">
+                    <a:lumMod val="75000"/>
+                  </a:schemeClr>
+                </a:solidFill>
+              </a:rPr>
+              <a:t>ake</a:t>
+            </a:r>
+            <a:r>
+              <a:rPr lang="de-DE" sz="2200" dirty="0" smtClean="0">
+                <a:solidFill>
+                  <a:schemeClr val="bg2">
+                    <a:lumMod val="75000"/>
+                  </a:schemeClr>
+                </a:solidFill>
+              </a:rPr>
+              <a:t> </a:t>
+            </a:r>
+            <a:r>
+              <a:rPr lang="de-DE" sz="2200" dirty="0" err="1" smtClean="0">
+                <a:solidFill>
+                  <a:schemeClr val="bg2">
+                    <a:lumMod val="75000"/>
+                  </a:schemeClr>
+                </a:solidFill>
+              </a:rPr>
+              <a:t>only</a:t>
+            </a:r>
+            <a:r>
+              <a:rPr lang="de-DE" sz="2200" dirty="0" smtClean="0">
+                <a:solidFill>
+                  <a:schemeClr val="bg2">
+                    <a:lumMod val="75000"/>
+                  </a:schemeClr>
+                </a:solidFill>
+              </a:rPr>
+              <a:t> </a:t>
+            </a:r>
+            <a:r>
+              <a:rPr lang="de-DE" sz="2200" dirty="0" err="1" smtClean="0">
+                <a:solidFill>
+                  <a:schemeClr val="bg2">
+                    <a:lumMod val="75000"/>
+                  </a:schemeClr>
+                </a:solidFill>
+              </a:rPr>
+              <a:t>around</a:t>
+            </a:r>
+            <a:r>
+              <a:rPr lang="de-DE" sz="2200" dirty="0" smtClean="0">
+                <a:solidFill>
+                  <a:schemeClr val="bg2">
+                    <a:lumMod val="75000"/>
+                  </a:schemeClr>
+                </a:solidFill>
+              </a:rPr>
+              <a:t> 700 of </a:t>
+            </a:r>
+            <a:r>
+              <a:rPr lang="de-DE" sz="2200" dirty="0" err="1" smtClean="0">
+                <a:solidFill>
+                  <a:schemeClr val="bg2">
+                    <a:lumMod val="75000"/>
+                  </a:schemeClr>
+                </a:solidFill>
+              </a:rPr>
+              <a:t>each</a:t>
+            </a:r>
+            <a:endParaRPr lang="de-DE" sz="2200" dirty="0" smtClean="0">
+              <a:solidFill>
+                <a:schemeClr val="bg2">
+                  <a:lumMod val="75000"/>
+                </a:schemeClr>
+              </a:solidFill>
+            </a:endParaRPr>
+          </a:p>
+          <a:p>
+            <a:pPr marL="463550" lvl="1" indent="-285750">
+              <a:buFontTx/>
+              <a:buChar char="-"/>
+            </a:pPr>
+            <a:endParaRPr lang="de-DE" sz="2200" dirty="0"/>
+          </a:p>
+          <a:p>
+            <a:pPr marL="463550" lvl="1" indent="-285750">
+              <a:buFontTx/>
+              <a:buChar char="-"/>
+            </a:pPr>
+            <a:r>
+              <a:rPr lang="de-DE" sz="2200" dirty="0"/>
+              <a:t>(</a:t>
+            </a:r>
+            <a:r>
+              <a:rPr lang="de-DE" sz="2200" dirty="0" smtClean="0"/>
+              <a:t>2 </a:t>
+            </a:r>
+            <a:r>
+              <a:rPr lang="de-DE" sz="2200" dirty="0" err="1" smtClean="0"/>
+              <a:t>conv</a:t>
+            </a:r>
+            <a:r>
+              <a:rPr lang="de-DE" sz="2200" dirty="0" smtClean="0"/>
+              <a:t> </a:t>
+            </a:r>
+            <a:r>
+              <a:rPr lang="de-DE" sz="2200" dirty="0" err="1" smtClean="0"/>
+              <a:t>layers</a:t>
+            </a:r>
+            <a:r>
+              <a:rPr lang="de-DE" sz="2200" dirty="0" smtClean="0"/>
+              <a:t> </a:t>
+            </a:r>
+            <a:r>
+              <a:rPr lang="de-DE" sz="2200" dirty="0" err="1" smtClean="0"/>
+              <a:t>with</a:t>
+            </a:r>
+            <a:r>
+              <a:rPr lang="de-DE" sz="2200" dirty="0" smtClean="0"/>
+              <a:t> </a:t>
+            </a:r>
+            <a:r>
+              <a:rPr lang="de-DE" sz="2200" dirty="0" err="1" smtClean="0"/>
+              <a:t>ReLU</a:t>
+            </a:r>
+            <a:r>
+              <a:rPr lang="de-DE" sz="2200" dirty="0" smtClean="0"/>
+              <a:t> + Pooling ) X 3</a:t>
+            </a:r>
+          </a:p>
+          <a:p>
+            <a:pPr marL="463550" lvl="1" indent="-285750">
+              <a:buFontTx/>
+              <a:buChar char="-"/>
+            </a:pPr>
+            <a:endParaRPr lang="de-DE" sz="2200" dirty="0"/>
+          </a:p>
+          <a:p>
+            <a:pPr marL="463550" lvl="1" indent="-285750">
+              <a:buFontTx/>
+              <a:buChar char="-"/>
+            </a:pPr>
+            <a:r>
+              <a:rPr lang="de-DE" sz="2200" dirty="0" smtClean="0"/>
+              <a:t>2 </a:t>
+            </a:r>
+            <a:r>
+              <a:rPr lang="de-DE" sz="2200" dirty="0" err="1" smtClean="0"/>
+              <a:t>fully-connected</a:t>
+            </a:r>
+            <a:r>
+              <a:rPr lang="de-DE" sz="2200" dirty="0" smtClean="0"/>
+              <a:t> </a:t>
+            </a:r>
+            <a:r>
+              <a:rPr lang="de-DE" sz="2200" dirty="0" err="1" smtClean="0"/>
+              <a:t>layers</a:t>
+            </a:r>
             <a:endParaRPr lang="de-DE" sz="2200" dirty="0" smtClean="0"/>
           </a:p>
+          <a:p>
+            <a:pPr marL="463550" lvl="1" indent="-285750">
+              <a:buFontTx/>
+              <a:buChar char="-"/>
+            </a:pPr>
+            <a:r>
+              <a:rPr lang="de-DE" sz="2200" dirty="0" err="1"/>
+              <a:t>o</a:t>
+            </a:r>
+            <a:r>
+              <a:rPr lang="de-DE" sz="2200" dirty="0" err="1" smtClean="0"/>
+              <a:t>utput</a:t>
+            </a:r>
+            <a:r>
+              <a:rPr lang="de-DE" sz="2200" dirty="0" smtClean="0"/>
+              <a:t> </a:t>
+            </a:r>
+            <a:r>
+              <a:rPr lang="de-DE" sz="2200" dirty="0" err="1" smtClean="0"/>
+              <a:t>layer</a:t>
+            </a:r>
+            <a:endParaRPr lang="de-DE" sz="2200" dirty="0" smtClean="0"/>
+          </a:p>
         </p:txBody>
       </p:sp>
       <p:sp>
@@ -9571,7 +12427,7 @@
           <a:p>
             <a:r>
               <a:rPr lang="de-DE" smtClean="0"/>
-              <a:t>11.07.2018</a:t>
+              <a:t>16.07.2018</a:t>
             </a:r>
             <a:endParaRPr lang="de-DE" dirty="0"/>
           </a:p>
@@ -9602,7 +12458,7 @@
       </p:sp>
       <p:sp>
         <p:nvSpPr>
-          <p:cNvPr id="7" name="Slide Number Placeholder 6"/>
+          <p:cNvPr id="6" name="Slide Number Placeholder 5"/>
           <p:cNvSpPr>
             <a:spLocks noGrp="1"/>
           </p:cNvSpPr>
@@ -9627,7 +12483,7 @@
     </p:spTree>
     <p:extLst>
       <p:ext uri="{BB962C8B-B14F-4D97-AF65-F5344CB8AC3E}">
-        <p14:creationId xmlns:p14="http://schemas.microsoft.com/office/powerpoint/2010/main" val="3292027805"/>
+        <p14:creationId xmlns:p14="http://schemas.microsoft.com/office/powerpoint/2010/main" val="3515466634"/>
       </p:ext>
     </p:extLst>
   </p:cSld>
@@ -9663,29 +12519,6 @@
       </p:grpSpPr>
       <p:sp>
         <p:nvSpPr>
-          <p:cNvPr id="2" name="Title 1"/>
-          <p:cNvSpPr>
-            <a:spLocks noGrp="1"/>
-          </p:cNvSpPr>
-          <p:nvPr>
-            <p:ph type="title"/>
-          </p:nvPr>
-        </p:nvSpPr>
-        <p:spPr/>
-        <p:txBody>
-          <a:bodyPr/>
-          <a:lstStyle/>
-          <a:p>
-            <a:r>
-              <a:rPr lang="de-DE" sz="3200" dirty="0" err="1" smtClean="0"/>
-              <a:t>approach</a:t>
-            </a:r>
-            <a:endParaRPr lang="de-DE" sz="3200" dirty="0"/>
-          </a:p>
-        </p:txBody>
-      </p:sp>
-      <p:sp>
-        <p:nvSpPr>
           <p:cNvPr id="3" name="Text Placeholder 2"/>
           <p:cNvSpPr>
             <a:spLocks noGrp="1"/>
@@ -9700,33 +12533,10 @@
           <a:lstStyle/>
           <a:p>
             <a:r>
-              <a:rPr lang="de-DE" dirty="0" err="1" smtClean="0"/>
-              <a:t>approach</a:t>
-            </a:r>
-            <a:endParaRPr lang="de-DE" dirty="0"/>
-          </a:p>
-        </p:txBody>
-      </p:sp>
-      <p:sp>
-        <p:nvSpPr>
-          <p:cNvPr id="4" name="Text Placeholder 3"/>
-          <p:cNvSpPr>
-            <a:spLocks noGrp="1"/>
-          </p:cNvSpPr>
-          <p:nvPr>
-            <p:ph type="body" sz="quarter" idx="13"/>
-          </p:nvPr>
-        </p:nvSpPr>
-        <p:spPr/>
-        <p:txBody>
-          <a:bodyPr/>
-          <a:lstStyle/>
-          <a:p>
-            <a:pPr marL="463550" lvl="1" indent="-285750">
-              <a:buFontTx/>
-              <a:buChar char="-"/>
-            </a:pPr>
-            <a:endParaRPr lang="de-DE" sz="2200" dirty="0" smtClean="0"/>
+              <a:rPr lang="de-DE" dirty="0" smtClean="0"/>
+              <a:t>evaluation</a:t>
+            </a:r>
+            <a:endParaRPr lang="de-DE" dirty="0"/>
           </a:p>
         </p:txBody>
       </p:sp>
@@ -9747,7 +12557,7 @@
           <a:p>
             <a:r>
               <a:rPr lang="de-DE" smtClean="0"/>
-              <a:t>11.07.2018</a:t>
+              <a:t>16.07.2018</a:t>
             </a:r>
             <a:endParaRPr lang="de-DE" dirty="0"/>
           </a:p>
@@ -9776,9 +12586,39 @@
           </a:p>
         </p:txBody>
       </p:sp>
-      <p:sp>
-        <p:nvSpPr>
-          <p:cNvPr id="7" name="Slide Number Placeholder 6"/>
+      <p:pic>
+        <p:nvPicPr>
+          <p:cNvPr id="6" name="Picture 5"/>
+          <p:cNvPicPr>
+            <a:picLocks noChangeAspect="1"/>
+          </p:cNvPicPr>
+          <p:nvPr/>
+        </p:nvPicPr>
+        <p:blipFill>
+          <a:blip r:embed="rId2" cstate="print">
+            <a:extLst>
+              <a:ext uri="{28A0092B-C50C-407E-A947-70E740481C1C}">
+                <a14:useLocalDpi xmlns:a14="http://schemas.microsoft.com/office/drawing/2010/main" val="0"/>
+              </a:ext>
+            </a:extLst>
+          </a:blip>
+          <a:stretch>
+            <a:fillRect/>
+          </a:stretch>
+        </p:blipFill>
+        <p:spPr>
+          <a:xfrm>
+            <a:off x="1331640" y="74483"/>
+            <a:ext cx="6154275" cy="4595116"/>
+          </a:xfrm>
+          <a:prstGeom prst="rect">
+            <a:avLst/>
+          </a:prstGeom>
+        </p:spPr>
+      </p:pic>
+      <p:sp>
+        <p:nvSpPr>
+          <p:cNvPr id="8" name="Slide Number Placeholder 7"/>
           <p:cNvSpPr>
             <a:spLocks noGrp="1"/>
           </p:cNvSpPr>
@@ -9803,7 +12643,7 @@
     </p:spTree>
     <p:extLst>
       <p:ext uri="{BB962C8B-B14F-4D97-AF65-F5344CB8AC3E}">
-        <p14:creationId xmlns:p14="http://schemas.microsoft.com/office/powerpoint/2010/main" val="3715543481"/>
+        <p14:creationId xmlns:p14="http://schemas.microsoft.com/office/powerpoint/2010/main" val="2435434384"/>
       </p:ext>
     </p:extLst>
   </p:cSld>
@@ -9839,41 +12679,6 @@
       </p:grpSpPr>
       <p:sp>
         <p:nvSpPr>
-          <p:cNvPr id="2" name="Title 1"/>
-          <p:cNvSpPr>
-            <a:spLocks noGrp="1"/>
-          </p:cNvSpPr>
-          <p:nvPr>
-            <p:ph type="title"/>
-          </p:nvPr>
-        </p:nvSpPr>
-        <p:spPr/>
-        <p:txBody>
-          <a:bodyPr/>
-          <a:lstStyle/>
-          <a:p>
-            <a:r>
-              <a:rPr lang="de-DE" sz="3200" dirty="0" err="1"/>
-              <a:t>e</a:t>
-            </a:r>
-            <a:r>
-              <a:rPr lang="de-DE" sz="3200" dirty="0" err="1" smtClean="0"/>
-              <a:t>valuation</a:t>
-            </a:r>
-            <a:r>
-              <a:rPr lang="de-DE" sz="3200" dirty="0" smtClean="0"/>
-              <a:t> - </a:t>
-            </a:r>
-            <a:r>
-              <a:rPr lang="de-DE" sz="3200" dirty="0" err="1" smtClean="0"/>
-              <a:t>accuracy</a:t>
-            </a:r>
-            <a:endParaRPr lang="de-DE" sz="3200" dirty="0"/>
-          </a:p>
-        </p:txBody>
-      </p:sp>
-      <p:sp>
-        <p:nvSpPr>
           <p:cNvPr id="3" name="Text Placeholder 2"/>
           <p:cNvSpPr>
             <a:spLocks noGrp="1"/>
@@ -9888,7 +12693,7 @@
           <a:lstStyle/>
           <a:p>
             <a:r>
-              <a:rPr lang="de-DE" dirty="0" err="1" smtClean="0"/>
+              <a:rPr lang="de-DE" dirty="0" smtClean="0"/>
               <a:t>evaluation</a:t>
             </a:r>
             <a:endParaRPr lang="de-DE" dirty="0"/>
@@ -9897,29 +12702,6 @@
       </p:sp>
       <p:sp>
         <p:nvSpPr>
-          <p:cNvPr id="4" name="Text Placeholder 3"/>
-          <p:cNvSpPr>
-            <a:spLocks noGrp="1"/>
-          </p:cNvSpPr>
-          <p:nvPr>
-            <p:ph type="body" sz="quarter" idx="13"/>
-          </p:nvPr>
-        </p:nvSpPr>
-        <p:spPr/>
-        <p:txBody>
-          <a:bodyPr/>
-          <a:lstStyle/>
-          <a:p>
-            <a:pPr marL="463550" lvl="1" indent="-285750">
-              <a:buFontTx/>
-              <a:buChar char="-"/>
-            </a:pPr>
-            <a:endParaRPr lang="de-DE" sz="2200" dirty="0" smtClean="0"/>
-          </a:p>
-        </p:txBody>
-      </p:sp>
-      <p:sp>
-        <p:nvSpPr>
           <p:cNvPr id="5" name="Date Placeholder 4"/>
           <p:cNvSpPr>
             <a:spLocks noGrp="1"/>
@@ -9935,7 +12717,7 @@
           <a:p>
             <a:r>
               <a:rPr lang="de-DE" smtClean="0"/>
-              <a:t>11.07.2018</a:t>
+              <a:t>16.07.2018</a:t>
             </a:r>
             <a:endParaRPr lang="de-DE" dirty="0"/>
           </a:p>
@@ -9964,9 +12746,39 @@
           </a:p>
         </p:txBody>
       </p:sp>
-      <p:sp>
-        <p:nvSpPr>
-          <p:cNvPr id="7" name="Slide Number Placeholder 6"/>
+      <p:pic>
+        <p:nvPicPr>
+          <p:cNvPr id="6" name="Picture 5"/>
+          <p:cNvPicPr>
+            <a:picLocks noChangeAspect="1"/>
+          </p:cNvPicPr>
+          <p:nvPr/>
+        </p:nvPicPr>
+        <p:blipFill>
+          <a:blip r:embed="rId2" cstate="print">
+            <a:extLst>
+              <a:ext uri="{28A0092B-C50C-407E-A947-70E740481C1C}">
+                <a14:useLocalDpi xmlns:a14="http://schemas.microsoft.com/office/drawing/2010/main" val="0"/>
+              </a:ext>
+            </a:extLst>
+          </a:blip>
+          <a:stretch>
+            <a:fillRect/>
+          </a:stretch>
+        </p:blipFill>
+        <p:spPr>
+          <a:xfrm>
+            <a:off x="1331640" y="74483"/>
+            <a:ext cx="6154275" cy="4595116"/>
+          </a:xfrm>
+          <a:prstGeom prst="rect">
+            <a:avLst/>
+          </a:prstGeom>
+        </p:spPr>
+      </p:pic>
+      <p:sp>
+        <p:nvSpPr>
+          <p:cNvPr id="8" name="Slide Number Placeholder 7"/>
           <p:cNvSpPr>
             <a:spLocks noGrp="1"/>
           </p:cNvSpPr>
@@ -9991,7 +12803,7 @@
     </p:spTree>
     <p:extLst>
       <p:ext uri="{BB962C8B-B14F-4D97-AF65-F5344CB8AC3E}">
-        <p14:creationId xmlns:p14="http://schemas.microsoft.com/office/powerpoint/2010/main" val="2454867010"/>
+        <p14:creationId xmlns:p14="http://schemas.microsoft.com/office/powerpoint/2010/main" val="1881590653"/>
       </p:ext>
     </p:extLst>
   </p:cSld>
@@ -10027,49 +12839,6 @@
       </p:grpSpPr>
       <p:sp>
         <p:nvSpPr>
-          <p:cNvPr id="2" name="Title 1"/>
-          <p:cNvSpPr>
-            <a:spLocks noGrp="1"/>
-          </p:cNvSpPr>
-          <p:nvPr>
-            <p:ph type="title"/>
-          </p:nvPr>
-        </p:nvSpPr>
-        <p:spPr/>
-        <p:txBody>
-          <a:bodyPr/>
-          <a:lstStyle/>
-          <a:p>
-            <a:r>
-              <a:rPr lang="de-DE" sz="3200" dirty="0" err="1"/>
-              <a:t>e</a:t>
-            </a:r>
-            <a:r>
-              <a:rPr lang="de-DE" sz="3200" dirty="0" err="1" smtClean="0"/>
-              <a:t>valuation</a:t>
-            </a:r>
-            <a:r>
-              <a:rPr lang="de-DE" sz="3200" dirty="0" smtClean="0"/>
-              <a:t> – </a:t>
-            </a:r>
-            <a:r>
-              <a:rPr lang="de-DE" sz="3200" dirty="0" err="1" smtClean="0"/>
-              <a:t>precision</a:t>
-            </a:r>
-            <a:r>
-              <a:rPr lang="de-DE" sz="3200" dirty="0" smtClean="0"/>
-              <a:t>/</a:t>
-            </a:r>
-            <a:r>
-              <a:rPr lang="de-DE" sz="3200" dirty="0" err="1" smtClean="0"/>
-              <a:t>recall</a:t>
-            </a:r>
-            <a:endParaRPr lang="de-DE" sz="3200" dirty="0"/>
-          </a:p>
-        </p:txBody>
-      </p:sp>
-      <p:sp>
-        <p:nvSpPr>
           <p:cNvPr id="3" name="Text Placeholder 2"/>
           <p:cNvSpPr>
             <a:spLocks noGrp="1"/>
@@ -10084,7 +12853,7 @@
           <a:lstStyle/>
           <a:p>
             <a:r>
-              <a:rPr lang="de-DE" dirty="0" err="1" smtClean="0"/>
+              <a:rPr lang="de-DE" dirty="0" smtClean="0"/>
               <a:t>evaluation</a:t>
             </a:r>
             <a:endParaRPr lang="de-DE" dirty="0"/>
@@ -10093,29 +12862,6 @@
       </p:sp>
       <p:sp>
         <p:nvSpPr>
-          <p:cNvPr id="4" name="Text Placeholder 3"/>
-          <p:cNvSpPr>
-            <a:spLocks noGrp="1"/>
-          </p:cNvSpPr>
-          <p:nvPr>
-            <p:ph type="body" sz="quarter" idx="13"/>
-          </p:nvPr>
-        </p:nvSpPr>
-        <p:spPr/>
-        <p:txBody>
-          <a:bodyPr/>
-          <a:lstStyle/>
-          <a:p>
-            <a:pPr marL="463550" lvl="1" indent="-285750">
-              <a:buFontTx/>
-              <a:buChar char="-"/>
-            </a:pPr>
-            <a:endParaRPr lang="de-DE" sz="2200" dirty="0" smtClean="0"/>
-          </a:p>
-        </p:txBody>
-      </p:sp>
-      <p:sp>
-        <p:nvSpPr>
           <p:cNvPr id="5" name="Date Placeholder 4"/>
           <p:cNvSpPr>
             <a:spLocks noGrp="1"/>
@@ -10131,7 +12877,7 @@
           <a:p>
             <a:r>
               <a:rPr lang="de-DE" smtClean="0"/>
-              <a:t>11.07.2018</a:t>
+              <a:t>16.07.2018</a:t>
             </a:r>
             <a:endParaRPr lang="de-DE" dirty="0"/>
           </a:p>
@@ -10162,7 +12908,7 @@
       </p:sp>
       <p:sp>
         <p:nvSpPr>
-          <p:cNvPr id="7" name="Slide Number Placeholder 6"/>
+          <p:cNvPr id="2" name="Slide Number Placeholder 1"/>
           <p:cNvSpPr>
             <a:spLocks noGrp="1"/>
           </p:cNvSpPr>
@@ -10184,10 +12930,40 @@
           </a:p>
         </p:txBody>
       </p:sp>
+      <p:pic>
+        <p:nvPicPr>
+          <p:cNvPr id="4" name="Picture 3"/>
+          <p:cNvPicPr>
+            <a:picLocks noChangeAspect="1"/>
+          </p:cNvPicPr>
+          <p:nvPr/>
+        </p:nvPicPr>
+        <p:blipFill>
+          <a:blip r:embed="rId2" cstate="print">
+            <a:extLst>
+              <a:ext uri="{28A0092B-C50C-407E-A947-70E740481C1C}">
+                <a14:useLocalDpi xmlns:a14="http://schemas.microsoft.com/office/drawing/2010/main" val="0"/>
+              </a:ext>
+            </a:extLst>
+          </a:blip>
+          <a:stretch>
+            <a:fillRect/>
+          </a:stretch>
+        </p:blipFill>
+        <p:spPr>
+          <a:xfrm>
+            <a:off x="1259632" y="0"/>
+            <a:ext cx="6337591" cy="4731990"/>
+          </a:xfrm>
+          <a:prstGeom prst="rect">
+            <a:avLst/>
+          </a:prstGeom>
+        </p:spPr>
+      </p:pic>
     </p:spTree>
     <p:extLst>
       <p:ext uri="{BB962C8B-B14F-4D97-AF65-F5344CB8AC3E}">
-        <p14:creationId xmlns:p14="http://schemas.microsoft.com/office/powerpoint/2010/main" val="286137492"/>
+        <p14:creationId xmlns:p14="http://schemas.microsoft.com/office/powerpoint/2010/main" val="1042397976"/>
       </p:ext>
     </p:extLst>
   </p:cSld>
@@ -10238,15 +13014,15 @@
           <a:p>
             <a:r>
               <a:rPr lang="de-DE" sz="3200" dirty="0" err="1"/>
-              <a:t>e</a:t>
+              <a:t>p</a:t>
             </a:r>
             <a:r>
               <a:rPr lang="de-DE" sz="3200" dirty="0" err="1" smtClean="0"/>
-              <a:t>valuation</a:t>
+              <a:t>roblems</a:t>
             </a:r>
             <a:r>
               <a:rPr lang="de-DE" sz="3200" dirty="0" smtClean="0"/>
-              <a:t> – AUC-ROC</a:t>
+              <a:t>?</a:t>
             </a:r>
             <a:endParaRPr lang="de-DE" sz="3200" dirty="0"/>
           </a:p>
@@ -10269,7 +13045,7 @@
           <a:p>
             <a:r>
               <a:rPr lang="de-DE" dirty="0" err="1" smtClean="0"/>
-              <a:t>evaluation</a:t>
+              <a:t>dataset</a:t>
             </a:r>
             <a:endParaRPr lang="de-DE" dirty="0"/>
           </a:p>
@@ -10294,7 +13070,50 @@
               <a:buFontTx/>
               <a:buChar char="-"/>
             </a:pPr>
-            <a:endParaRPr lang="de-DE" sz="2200" dirty="0" smtClean="0"/>
+            <a:r>
+              <a:rPr lang="de-DE" sz="2200" dirty="0" err="1"/>
+              <a:t>d</a:t>
+            </a:r>
+            <a:r>
+              <a:rPr lang="de-DE" sz="2200" dirty="0" err="1" smtClean="0"/>
+              <a:t>andelions</a:t>
+            </a:r>
+            <a:r>
+              <a:rPr lang="de-DE" sz="2200" dirty="0" smtClean="0"/>
+              <a:t> </a:t>
+            </a:r>
+            <a:r>
+              <a:rPr lang="de-DE" sz="2200" dirty="0" err="1" smtClean="0"/>
+              <a:t>can</a:t>
+            </a:r>
+            <a:r>
+              <a:rPr lang="de-DE" sz="2200" dirty="0" smtClean="0"/>
+              <a:t> </a:t>
+            </a:r>
+            <a:r>
+              <a:rPr lang="de-DE" sz="2200" dirty="0" err="1" smtClean="0"/>
+              <a:t>have</a:t>
+            </a:r>
+            <a:r>
+              <a:rPr lang="de-DE" sz="2200" dirty="0" smtClean="0"/>
+              <a:t> </a:t>
+            </a:r>
+            <a:r>
+              <a:rPr lang="de-DE" sz="2200" dirty="0" err="1" smtClean="0"/>
+              <a:t>two</a:t>
+            </a:r>
+            <a:r>
+              <a:rPr lang="de-DE" sz="2200" dirty="0" smtClean="0"/>
+              <a:t> different „</a:t>
+            </a:r>
+            <a:r>
+              <a:rPr lang="de-DE" sz="2200" dirty="0" err="1" smtClean="0"/>
+              <a:t>looks</a:t>
+            </a:r>
+            <a:r>
+              <a:rPr lang="de-DE" sz="2200" dirty="0" smtClean="0"/>
+              <a:t>“</a:t>
+            </a:r>
           </a:p>
         </p:txBody>
       </p:sp>
@@ -10315,7 +13134,7 @@
           <a:p>
             <a:r>
               <a:rPr lang="de-DE" smtClean="0"/>
-              <a:t>11.07.2018</a:t>
+              <a:t>16.07.2018</a:t>
             </a:r>
             <a:endParaRPr lang="de-DE" dirty="0"/>
           </a:p>
@@ -10346,7 +13165,7 @@
       </p:sp>
       <p:sp>
         <p:nvSpPr>
-          <p:cNvPr id="7" name="Slide Number Placeholder 6"/>
+          <p:cNvPr id="6" name="Slide Number Placeholder 5"/>
           <p:cNvSpPr>
             <a:spLocks noGrp="1"/>
           </p:cNvSpPr>
@@ -10371,7 +13190,7 @@
     </p:spTree>
     <p:extLst>
       <p:ext uri="{BB962C8B-B14F-4D97-AF65-F5344CB8AC3E}">
-        <p14:creationId xmlns:p14="http://schemas.microsoft.com/office/powerpoint/2010/main" val="2435434384"/>
+        <p14:creationId xmlns:p14="http://schemas.microsoft.com/office/powerpoint/2010/main" val="2957389639"/>
       </p:ext>
     </p:extLst>
   </p:cSld>
